--- a/Complimentary Course Content/Module7/Lessons/Module7_Lesson4 Launching A Web server With Chef.pptx
+++ b/Complimentary Course Content/Module7/Lessons/Module7_Lesson4 Launching A Web server With Chef.pptx
@@ -150,7 +150,7 @@
   </p:defaultTextStyle>
   <p:extLst>
     <p:ext uri="{EFAFB233-063F-42B5-8137-9DF3F51BA10A}">
-      <p15:sldGuideLst xmlns:p15="http://schemas.microsoft.com/office/powerpoint/2012/main" xmlns="">
+      <p15:sldGuideLst xmlns="" xmlns:p15="http://schemas.microsoft.com/office/powerpoint/2012/main">
         <p15:guide id="1" orient="horz" pos="2184" userDrawn="1">
           <p15:clr>
             <a:srgbClr val="A4A3A4"/>
@@ -188,183 +188,6 @@
 </p:cmAuthorLst>
 </file>
 
-<file path=ppt/comments/comment1.xml><?xml version="1.0" encoding="utf-8"?>
-<p:cmLst xmlns:a="http://schemas.openxmlformats.org/drawingml/2006/main" xmlns:r="http://schemas.openxmlformats.org/officeDocument/2006/relationships" xmlns:p="http://schemas.openxmlformats.org/presentationml/2006/main">
-  <p:cm authorId="3" dt="2016-05-10T21:59:14.619" idx="1">
-    <p:pos x="10" y="10"/>
-    <p:text>Instructor notes need to be modified</p:text>
-    <p:extLst>
-      <p:ext uri="{C676402C-5697-4E1C-873F-D02D1690AC5C}">
-        <p15:threadingInfo xmlns:p15="http://schemas.microsoft.com/office/powerpoint/2012/main" timeZoneBias="360"/>
-      </p:ext>
-    </p:extLst>
-  </p:cm>
-</p:cmLst>
-</file>
-
-<file path=ppt/comments/comment10.xml><?xml version="1.0" encoding="utf-8"?>
-<p:cmLst xmlns:a="http://schemas.openxmlformats.org/drawingml/2006/main" xmlns:r="http://schemas.openxmlformats.org/officeDocument/2006/relationships" xmlns:p="http://schemas.openxmlformats.org/presentationml/2006/main">
-  <p:cm authorId="3" dt="2016-05-10T21:59:14.619" idx="62">
-    <p:pos x="10" y="10"/>
-    <p:text>Instructor notes need to be modified</p:text>
-    <p:extLst>
-      <p:ext uri="{C676402C-5697-4E1C-873F-D02D1690AC5C}">
-        <p15:threadingInfo xmlns:p15="http://schemas.microsoft.com/office/powerpoint/2012/main" timeZoneBias="360"/>
-      </p:ext>
-    </p:extLst>
-  </p:cm>
-</p:cmLst>
-</file>
-
-<file path=ppt/comments/comment11.xml><?xml version="1.0" encoding="utf-8"?>
-<p:cmLst xmlns:a="http://schemas.openxmlformats.org/drawingml/2006/main" xmlns:r="http://schemas.openxmlformats.org/officeDocument/2006/relationships" xmlns:p="http://schemas.openxmlformats.org/presentationml/2006/main">
-  <p:cm authorId="3" dt="2016-05-10T21:59:14.619" idx="75">
-    <p:pos x="10" y="10"/>
-    <p:text>Instructor notes need to be modified</p:text>
-    <p:extLst>
-      <p:ext uri="{C676402C-5697-4E1C-873F-D02D1690AC5C}">
-        <p15:threadingInfo xmlns:p15="http://schemas.microsoft.com/office/powerpoint/2012/main" timeZoneBias="360"/>
-      </p:ext>
-    </p:extLst>
-  </p:cm>
-</p:cmLst>
-</file>
-
-<file path=ppt/comments/comment12.xml><?xml version="1.0" encoding="utf-8"?>
-<p:cmLst xmlns:a="http://schemas.openxmlformats.org/drawingml/2006/main" xmlns:r="http://schemas.openxmlformats.org/officeDocument/2006/relationships" xmlns:p="http://schemas.openxmlformats.org/presentationml/2006/main">
-  <p:cm authorId="6" dt="2016-06-20T08:05:48.691" idx="1">
-    <p:pos x="10" y="10"/>
-    <p:text>Notes.</p:text>
-  </p:cm>
-</p:cmLst>
-</file>
-
-<file path=ppt/comments/comment13.xml><?xml version="1.0" encoding="utf-8"?>
-<p:cmLst xmlns:a="http://schemas.openxmlformats.org/drawingml/2006/main" xmlns:r="http://schemas.openxmlformats.org/officeDocument/2006/relationships" xmlns:p="http://schemas.openxmlformats.org/presentationml/2006/main">
-  <p:cm authorId="3" dt="2016-05-10T21:59:14.619" idx="79">
-    <p:pos x="10" y="10"/>
-    <p:text>Instructor notes need to be modified</p:text>
-    <p:extLst>
-      <p:ext uri="{C676402C-5697-4E1C-873F-D02D1690AC5C}">
-        <p15:threadingInfo xmlns:p15="http://schemas.microsoft.com/office/powerpoint/2012/main" timeZoneBias="360"/>
-      </p:ext>
-    </p:extLst>
-  </p:cm>
-</p:cmLst>
-</file>
-
-<file path=ppt/comments/comment2.xml><?xml version="1.0" encoding="utf-8"?>
-<p:cmLst xmlns:a="http://schemas.openxmlformats.org/drawingml/2006/main" xmlns:r="http://schemas.openxmlformats.org/officeDocument/2006/relationships" xmlns:p="http://schemas.openxmlformats.org/presentationml/2006/main">
-  <p:cm authorId="3" dt="2016-05-10T21:59:14.619" idx="8">
-    <p:pos x="10" y="10"/>
-    <p:text>Instructor notes need to be modified</p:text>
-    <p:extLst>
-      <p:ext uri="{C676402C-5697-4E1C-873F-D02D1690AC5C}">
-        <p15:threadingInfo xmlns:p15="http://schemas.microsoft.com/office/powerpoint/2012/main" timeZoneBias="360"/>
-      </p:ext>
-    </p:extLst>
-  </p:cm>
-</p:cmLst>
-</file>
-
-<file path=ppt/comments/comment3.xml><?xml version="1.0" encoding="utf-8"?>
-<p:cmLst xmlns:a="http://schemas.openxmlformats.org/drawingml/2006/main" xmlns:r="http://schemas.openxmlformats.org/officeDocument/2006/relationships" xmlns:p="http://schemas.openxmlformats.org/presentationml/2006/main">
-  <p:cm authorId="3" dt="2016-05-10T21:59:14.619" idx="11">
-    <p:pos x="10" y="10"/>
-    <p:text>Instructor notes need to be modified</p:text>
-    <p:extLst>
-      <p:ext uri="{C676402C-5697-4E1C-873F-D02D1690AC5C}">
-        <p15:threadingInfo xmlns:p15="http://schemas.microsoft.com/office/powerpoint/2012/main" timeZoneBias="360"/>
-      </p:ext>
-    </p:extLst>
-  </p:cm>
-</p:cmLst>
-</file>
-
-<file path=ppt/comments/comment4.xml><?xml version="1.0" encoding="utf-8"?>
-<p:cmLst xmlns:a="http://schemas.openxmlformats.org/drawingml/2006/main" xmlns:r="http://schemas.openxmlformats.org/officeDocument/2006/relationships" xmlns:p="http://schemas.openxmlformats.org/presentationml/2006/main">
-  <p:cm authorId="3" dt="2016-05-10T21:59:14.619" idx="16">
-    <p:pos x="10" y="10"/>
-    <p:text>Instructor notes need to be modified</p:text>
-    <p:extLst>
-      <p:ext uri="{C676402C-5697-4E1C-873F-D02D1690AC5C}">
-        <p15:threadingInfo xmlns:p15="http://schemas.microsoft.com/office/powerpoint/2012/main" timeZoneBias="360"/>
-      </p:ext>
-    </p:extLst>
-  </p:cm>
-</p:cmLst>
-</file>
-
-<file path=ppt/comments/comment5.xml><?xml version="1.0" encoding="utf-8"?>
-<p:cmLst xmlns:a="http://schemas.openxmlformats.org/drawingml/2006/main" xmlns:r="http://schemas.openxmlformats.org/officeDocument/2006/relationships" xmlns:p="http://schemas.openxmlformats.org/presentationml/2006/main">
-  <p:cm authorId="3" dt="2016-05-10T21:59:14.619" idx="22">
-    <p:pos x="10" y="10"/>
-    <p:text>Instructor notes need to be modified</p:text>
-    <p:extLst>
-      <p:ext uri="{C676402C-5697-4E1C-873F-D02D1690AC5C}">
-        <p15:threadingInfo xmlns:p15="http://schemas.microsoft.com/office/powerpoint/2012/main" timeZoneBias="360"/>
-      </p:ext>
-    </p:extLst>
-  </p:cm>
-</p:cmLst>
-</file>
-
-<file path=ppt/comments/comment6.xml><?xml version="1.0" encoding="utf-8"?>
-<p:cmLst xmlns:a="http://schemas.openxmlformats.org/drawingml/2006/main" xmlns:r="http://schemas.openxmlformats.org/officeDocument/2006/relationships" xmlns:p="http://schemas.openxmlformats.org/presentationml/2006/main">
-  <p:cm authorId="3" dt="2016-05-10T21:59:14.619" idx="32">
-    <p:pos x="10" y="10"/>
-    <p:text>Instructor notes need to be modified</p:text>
-    <p:extLst>
-      <p:ext uri="{C676402C-5697-4E1C-873F-D02D1690AC5C}">
-        <p15:threadingInfo xmlns:p15="http://schemas.microsoft.com/office/powerpoint/2012/main" timeZoneBias="360"/>
-      </p:ext>
-    </p:extLst>
-  </p:cm>
-</p:cmLst>
-</file>
-
-<file path=ppt/comments/comment7.xml><?xml version="1.0" encoding="utf-8"?>
-<p:cmLst xmlns:a="http://schemas.openxmlformats.org/drawingml/2006/main" xmlns:r="http://schemas.openxmlformats.org/officeDocument/2006/relationships" xmlns:p="http://schemas.openxmlformats.org/presentationml/2006/main">
-  <p:cm authorId="3" dt="2016-05-10T21:59:14.619" idx="49">
-    <p:pos x="10" y="10"/>
-    <p:text>Instructor notes need to be modified</p:text>
-    <p:extLst>
-      <p:ext uri="{C676402C-5697-4E1C-873F-D02D1690AC5C}">
-        <p15:threadingInfo xmlns:p15="http://schemas.microsoft.com/office/powerpoint/2012/main" timeZoneBias="360"/>
-      </p:ext>
-    </p:extLst>
-  </p:cm>
-</p:cmLst>
-</file>
-
-<file path=ppt/comments/comment8.xml><?xml version="1.0" encoding="utf-8"?>
-<p:cmLst xmlns:a="http://schemas.openxmlformats.org/drawingml/2006/main" xmlns:r="http://schemas.openxmlformats.org/officeDocument/2006/relationships" xmlns:p="http://schemas.openxmlformats.org/presentationml/2006/main">
-  <p:cm authorId="3" dt="2016-05-10T21:59:14.619" idx="51">
-    <p:pos x="10" y="10"/>
-    <p:text>Instructor notes need to be modified</p:text>
-    <p:extLst>
-      <p:ext uri="{C676402C-5697-4E1C-873F-D02D1690AC5C}">
-        <p15:threadingInfo xmlns:p15="http://schemas.microsoft.com/office/powerpoint/2012/main" timeZoneBias="360"/>
-      </p:ext>
-    </p:extLst>
-  </p:cm>
-</p:cmLst>
-</file>
-
-<file path=ppt/comments/comment9.xml><?xml version="1.0" encoding="utf-8"?>
-<p:cmLst xmlns:a="http://schemas.openxmlformats.org/drawingml/2006/main" xmlns:r="http://schemas.openxmlformats.org/officeDocument/2006/relationships" xmlns:p="http://schemas.openxmlformats.org/presentationml/2006/main">
-  <p:cm authorId="3" dt="2016-05-10T21:59:14.619" idx="60">
-    <p:pos x="10" y="10"/>
-    <p:text>Instructor notes need to be modified</p:text>
-    <p:extLst>
-      <p:ext uri="{C676402C-5697-4E1C-873F-D02D1690AC5C}">
-        <p15:threadingInfo xmlns:p15="http://schemas.microsoft.com/office/powerpoint/2012/main" timeZoneBias="360"/>
-      </p:ext>
-    </p:extLst>
-  </p:cm>
-</p:cmLst>
-</file>
-
 <file path=ppt/notesMasters/notesMaster1.xml><?xml version="1.0" encoding="utf-8"?>
 <p:notesMaster xmlns:a="http://schemas.openxmlformats.org/drawingml/2006/main" xmlns:r="http://schemas.openxmlformats.org/officeDocument/2006/relationships" xmlns:p="http://schemas.openxmlformats.org/presentationml/2006/main">
   <p:cSld>
@@ -448,7 +271,7 @@
             <a:fld id="{49B60EF2-7028-489F-85D8-FE86CD7CF2A0}" type="datetimeFigureOut">
               <a:rPr lang="en-US" smtClean="0"/>
               <a:pPr/>
-              <a:t>6/20/16</a:t>
+              <a:t>6/30/16</a:t>
             </a:fld>
             <a:endParaRPr lang="en-US"/>
           </a:p>
@@ -897,7 +720,6 @@
               <a:rPr lang="en-US" b="0" baseline="0" dirty="0" smtClean="0"/>
               <a:t> open access permissions to specific ports.  </a:t>
             </a:r>
-            <a:endParaRPr lang="en-US" b="0" baseline="0" dirty="0" smtClean="0"/>
           </a:p>
           <a:p>
             <a:pPr marL="228600" marR="0" lvl="0" indent="-228600" algn="l" defTabSz="914400" rtl="0" eaLnBrk="1" fontAlgn="auto" latinLnBrk="0" hangingPunct="1">
@@ -919,11 +741,7 @@
             </a:pPr>
             <a:r>
               <a:rPr lang="en-US" b="0" baseline="0" dirty="0" smtClean="0"/>
-              <a:t>Without </a:t>
-            </a:r>
-            <a:r>
-              <a:rPr lang="en-US" b="0" baseline="0" dirty="0" smtClean="0"/>
-              <a:t>this step, even if the node converges correctly, you won’t be able to access it via a web page</a:t>
+              <a:t>Without this step, even if the node converges correctly, you won’t be able to access it via a web page</a:t>
             </a:r>
             <a:endParaRPr lang="en-US" b="0" dirty="0"/>
           </a:p>
@@ -1057,7 +875,6 @@
               <a:rPr lang="en-US" b="0" dirty="0" smtClean="0"/>
               <a:t>Here we open access to port 80. </a:t>
             </a:r>
-            <a:endParaRPr lang="en-US" b="0" dirty="0" smtClean="0"/>
           </a:p>
           <a:p>
             <a:pPr marL="228600" marR="0" lvl="0" indent="-228600" algn="l" defTabSz="914400" rtl="0" eaLnBrk="1" fontAlgn="auto" latinLnBrk="0" hangingPunct="1">
@@ -1079,23 +896,11 @@
             </a:pPr>
             <a:r>
               <a:rPr lang="en-US" b="0" dirty="0" smtClean="0"/>
-              <a:t>Without </a:t>
-            </a:r>
-            <a:r>
-              <a:rPr lang="en-US" b="0" dirty="0" smtClean="0"/>
-              <a:t>this access, even if the node converges</a:t>
+              <a:t>Without this access, even if the node converges</a:t>
             </a:r>
             <a:r>
               <a:rPr lang="en-US" b="0" baseline="0" dirty="0" smtClean="0"/>
-              <a:t> correctly, </a:t>
-            </a:r>
-            <a:r>
-              <a:rPr lang="en-US" b="0" baseline="0" dirty="0" smtClean="0"/>
-              <a:t>you </a:t>
-            </a:r>
-            <a:r>
-              <a:rPr lang="en-US" b="0" baseline="0" dirty="0" smtClean="0"/>
-              <a:t>won’t be able to see the web page that you created.</a:t>
+              <a:t> correctly, you won’t be able to see the web page that you created.</a:t>
             </a:r>
             <a:endParaRPr lang="en-US" b="0" dirty="0"/>
           </a:p>
@@ -1439,7 +1244,6 @@
               <a:rPr lang="en-US" b="1" dirty="0" smtClean="0"/>
               <a:t>Notes:</a:t>
             </a:r>
-            <a:endParaRPr lang="en-US" b="1" dirty="0" smtClean="0"/>
           </a:p>
           <a:p>
             <a:pPr marL="171450" marR="0" lvl="0" indent="-171450" algn="l" defTabSz="914400" rtl="0" eaLnBrk="1" fontAlgn="auto" latinLnBrk="0" hangingPunct="1">
@@ -1580,7 +1384,6 @@
               <a:rPr lang="en-US" b="1" dirty="0" smtClean="0"/>
               <a:t>Notes:</a:t>
             </a:r>
-            <a:endParaRPr lang="en-US" b="1" dirty="0" smtClean="0"/>
           </a:p>
           <a:p>
             <a:pPr marL="171450" marR="0" lvl="0" indent="-171450" algn="l" defTabSz="914400" rtl="0" eaLnBrk="1" fontAlgn="auto" latinLnBrk="0" hangingPunct="1">
@@ -3790,13 +3593,8 @@
             </a:pPr>
             <a:r>
               <a:rPr lang="en-US" b="0" baseline="0" dirty="0" smtClean="0"/>
-              <a:t>Some windows machines always have at least one resources updated, even if nothing has changed.  This is just the nature of how windows resources are tested by chef-client</a:t>
-            </a:r>
-            <a:r>
-              <a:rPr lang="en-US" b="0" baseline="0" dirty="0" smtClean="0"/>
-              <a:t>.</a:t>
-            </a:r>
-            <a:endParaRPr lang="en-US" b="0" baseline="0" dirty="0" smtClean="0"/>
+              <a:t>Some windows machines always have at least one resources updated, even if nothing has changed.  This is just the nature of how windows resources are tested by chef-client.</a:t>
+            </a:r>
           </a:p>
         </p:txBody>
       </p:sp>
@@ -4810,11 +4608,7 @@
             </a:r>
             <a:r>
               <a:rPr lang="en-US" b="0" baseline="0" dirty="0" smtClean="0"/>
-              <a:t> generate command creates a basic cookbook </a:t>
-            </a:r>
-            <a:r>
-              <a:rPr lang="en-US" b="0" baseline="0" dirty="0" smtClean="0"/>
-              <a:t>structure</a:t>
+              <a:t> generate command creates a basic cookbook structure</a:t>
             </a:r>
             <a:r>
               <a:rPr lang="en-US" b="0" baseline="0" dirty="0"/>
@@ -4822,19 +4616,7 @@
             </a:r>
             <a:r>
               <a:rPr lang="en-US" b="0" baseline="0" dirty="0" smtClean="0"/>
-              <a:t>“</a:t>
-            </a:r>
-            <a:r>
-              <a:rPr lang="en-US" b="0" baseline="0" dirty="0" smtClean="0"/>
-              <a:t>chef generate cookbook” is the command to create a </a:t>
-            </a:r>
-            <a:r>
-              <a:rPr lang="en-US" b="0" baseline="0" dirty="0" smtClean="0"/>
-              <a:t>cookbook “cookbooks</a:t>
-            </a:r>
-            <a:r>
-              <a:rPr lang="en-US" b="0" baseline="0" dirty="0" smtClean="0"/>
-              <a:t>/IIS” is the path and cookbook name</a:t>
+              <a:t>“chef generate cookbook” is the command to create a cookbook “cookbooks/IIS” is the path and cookbook name</a:t>
             </a:r>
           </a:p>
           <a:p>
@@ -5130,13 +4912,8 @@
             </a:pPr>
             <a:r>
               <a:rPr lang="en-US" b="0" baseline="0" dirty="0" smtClean="0"/>
-              <a:t>The default action is ‘run’.  You can actually leave this line out since in Chef resources all default actions can be left out.  We add it in here just for clarity</a:t>
-            </a:r>
-            <a:r>
-              <a:rPr lang="en-US" b="0" baseline="0" dirty="0" smtClean="0"/>
-              <a:t>.</a:t>
-            </a:r>
-            <a:endParaRPr lang="en-US" b="0" baseline="0" dirty="0" smtClean="0"/>
+              <a:t>The default action is ‘run’.  You can actually leave this line out since in Chef resources all default actions can be left out.  We add it in here just for clarity.</a:t>
+            </a:r>
           </a:p>
           <a:p>
             <a:pPr marL="171450" marR="0" lvl="0" indent="-171450" algn="l" defTabSz="914400" rtl="0" eaLnBrk="1" fontAlgn="auto" latinLnBrk="0" hangingPunct="1">
@@ -5341,13 +5118,8 @@
             </a:pPr>
             <a:r>
               <a:rPr lang="en-US" b="0" baseline="0" dirty="0" smtClean="0"/>
-              <a:t>The default action is ‘create’.  You can actually leave this line out since in Chef resources all default actions can be left out.  We add it in here just for clarity</a:t>
-            </a:r>
-            <a:r>
-              <a:rPr lang="en-US" b="0" baseline="0" dirty="0" smtClean="0"/>
-              <a:t>.</a:t>
-            </a:r>
-            <a:endParaRPr lang="en-US" b="0" baseline="0" dirty="0" smtClean="0"/>
+              <a:t>The default action is ‘create’.  You can actually leave this line out since in Chef resources all default actions can be left out.  We add it in here just for clarity.</a:t>
+            </a:r>
           </a:p>
         </p:txBody>
       </p:sp>
@@ -6668,11 +6440,7 @@
             </a:pPr>
             <a:r>
               <a:rPr lang="en-US" b="0" dirty="0" smtClean="0"/>
-              <a:t>The </a:t>
-            </a:r>
-            <a:r>
-              <a:rPr lang="en-US" b="0" dirty="0" smtClean="0"/>
-              <a:t>students will launch</a:t>
+              <a:t>The students will launch</a:t>
             </a:r>
             <a:r>
               <a:rPr lang="en-US" b="0" baseline="0" dirty="0" smtClean="0"/>
@@ -6969,7 +6737,6 @@
               <a:rPr lang="en-US" b="0" dirty="0" smtClean="0"/>
               <a:t>We are using Classic deployment mode. </a:t>
             </a:r>
-            <a:endParaRPr lang="en-US" b="0" dirty="0" smtClean="0"/>
           </a:p>
           <a:p>
             <a:pPr marL="171450" marR="0" lvl="0" indent="-171450" algn="l" defTabSz="914400" rtl="0" eaLnBrk="1" fontAlgn="auto" latinLnBrk="0" hangingPunct="1">
@@ -6995,11 +6762,7 @@
             </a:r>
             <a:r>
               <a:rPr lang="en-US" b="0" baseline="0" dirty="0" smtClean="0"/>
-              <a:t> </a:t>
-            </a:r>
-            <a:r>
-              <a:rPr lang="en-US" b="0" baseline="0" dirty="0" smtClean="0"/>
-              <a:t>Manager is a more advanced deployment mode.</a:t>
+              <a:t> Manager is a more advanced deployment mode.</a:t>
             </a:r>
             <a:endParaRPr lang="en-US" b="0" dirty="0"/>
           </a:p>
@@ -7543,7 +7306,7 @@
             <a:fld id="{0459C166-16D3-4A25-A2F8-C51E0E346B22}" type="datetimeFigureOut">
               <a:rPr lang="en-US" smtClean="0"/>
               <a:pPr/>
-              <a:t>6/20/16</a:t>
+              <a:t>6/30/16</a:t>
             </a:fld>
             <a:endParaRPr lang="en-US"/>
           </a:p>
@@ -7713,7 +7476,7 @@
             <a:fld id="{0459C166-16D3-4A25-A2F8-C51E0E346B22}" type="datetimeFigureOut">
               <a:rPr lang="en-US" smtClean="0"/>
               <a:pPr/>
-              <a:t>6/20/16</a:t>
+              <a:t>6/30/16</a:t>
             </a:fld>
             <a:endParaRPr lang="en-US"/>
           </a:p>
@@ -7893,7 +7656,7 @@
             <a:fld id="{0459C166-16D3-4A25-A2F8-C51E0E346B22}" type="datetimeFigureOut">
               <a:rPr lang="en-US" smtClean="0"/>
               <a:pPr/>
-              <a:t>6/20/16</a:t>
+              <a:t>6/30/16</a:t>
             </a:fld>
             <a:endParaRPr lang="en-US"/>
           </a:p>
@@ -8110,7 +7873,7 @@
                 <a:latin typeface="Segoe UI"/>
               </a:rPr>
               <a:pPr/>
-              <a:t>6/20/16</a:t>
+              <a:t>6/30/16</a:t>
             </a:fld>
             <a:endParaRPr lang="en-US">
               <a:solidFill>
@@ -8315,7 +8078,7 @@
                 <a:latin typeface="Segoe UI"/>
               </a:rPr>
               <a:pPr/>
-              <a:t>6/20/16</a:t>
+              <a:t>6/30/16</a:t>
             </a:fld>
             <a:endParaRPr lang="en-US">
               <a:solidFill>
@@ -8613,7 +8376,7 @@
                 <a:latin typeface="Segoe UI"/>
               </a:rPr>
               <a:pPr/>
-              <a:t>6/20/16</a:t>
+              <a:t>6/30/16</a:t>
             </a:fld>
             <a:endParaRPr lang="en-US">
               <a:solidFill>
@@ -8957,7 +8720,7 @@
                 <a:latin typeface="Segoe UI"/>
               </a:rPr>
               <a:pPr/>
-              <a:t>6/20/16</a:t>
+              <a:t>6/30/16</a:t>
             </a:fld>
             <a:endParaRPr lang="en-US">
               <a:solidFill>
@@ -9332,7 +9095,7 @@
                 <a:latin typeface="Segoe UI"/>
               </a:rPr>
               <a:pPr/>
-              <a:t>6/20/16</a:t>
+              <a:t>6/30/16</a:t>
             </a:fld>
             <a:endParaRPr lang="en-US">
               <a:solidFill>
@@ -10208,7 +9971,7 @@
             <a:fld id="{0459C166-16D3-4A25-A2F8-C51E0E346B22}" type="datetimeFigureOut">
               <a:rPr lang="en-US" smtClean="0"/>
               <a:pPr/>
-              <a:t>6/20/16</a:t>
+              <a:t>6/30/16</a:t>
             </a:fld>
             <a:endParaRPr lang="en-US"/>
           </a:p>
@@ -10446,7 +10209,7 @@
                 <a:latin typeface="Segoe UI"/>
               </a:rPr>
               <a:pPr/>
-              <a:t>6/20/16</a:t>
+              <a:t>6/30/16</a:t>
             </a:fld>
             <a:endParaRPr lang="en-US">
               <a:solidFill>
@@ -10847,7 +10610,7 @@
                 <a:latin typeface="Segoe UI"/>
               </a:rPr>
               <a:pPr/>
-              <a:t>6/20/16</a:t>
+              <a:t>6/30/16</a:t>
             </a:fld>
             <a:endParaRPr lang="en-US">
               <a:solidFill>
@@ -11001,7 +10764,7 @@
                 <a:latin typeface="Segoe UI"/>
               </a:rPr>
               <a:pPr/>
-              <a:t>6/20/16</a:t>
+              <a:t>6/30/16</a:t>
             </a:fld>
             <a:endParaRPr lang="en-US">
               <a:solidFill>
@@ -11133,7 +10896,7 @@
                 <a:latin typeface="Segoe UI"/>
               </a:rPr>
               <a:pPr/>
-              <a:t>6/20/16</a:t>
+              <a:t>6/30/16</a:t>
             </a:fld>
             <a:endParaRPr lang="en-US">
               <a:solidFill>
@@ -11445,7 +11208,7 @@
                 <a:latin typeface="Segoe UI"/>
               </a:rPr>
               <a:pPr/>
-              <a:t>6/20/16</a:t>
+              <a:t>6/30/16</a:t>
             </a:fld>
             <a:endParaRPr lang="en-US">
               <a:solidFill>
@@ -11734,7 +11497,7 @@
                 <a:latin typeface="Segoe UI"/>
               </a:rPr>
               <a:pPr/>
-              <a:t>6/20/16</a:t>
+              <a:t>6/30/16</a:t>
             </a:fld>
             <a:endParaRPr lang="en-US">
               <a:solidFill>
@@ -11939,7 +11702,7 @@
                 <a:latin typeface="Segoe UI"/>
               </a:rPr>
               <a:pPr/>
-              <a:t>6/20/16</a:t>
+              <a:t>6/30/16</a:t>
             </a:fld>
             <a:endParaRPr lang="en-US">
               <a:solidFill>
@@ -12154,7 +11917,7 @@
                 <a:latin typeface="Segoe UI"/>
               </a:rPr>
               <a:pPr/>
-              <a:t>6/20/16</a:t>
+              <a:t>6/30/16</a:t>
             </a:fld>
             <a:endParaRPr lang="en-US">
               <a:solidFill>
@@ -12449,7 +12212,7 @@
             <a:fld id="{0459C166-16D3-4A25-A2F8-C51E0E346B22}" type="datetimeFigureOut">
               <a:rPr lang="en-US" smtClean="0"/>
               <a:pPr/>
-              <a:t>6/20/16</a:t>
+              <a:t>6/30/16</a:t>
             </a:fld>
             <a:endParaRPr lang="en-US"/>
           </a:p>
@@ -12696,7 +12459,7 @@
             <a:fld id="{0459C166-16D3-4A25-A2F8-C51E0E346B22}" type="datetimeFigureOut">
               <a:rPr lang="en-US" smtClean="0"/>
               <a:pPr/>
-              <a:t>6/20/16</a:t>
+              <a:t>6/30/16</a:t>
             </a:fld>
             <a:endParaRPr lang="en-US"/>
           </a:p>
@@ -13062,7 +12825,7 @@
             <a:fld id="{0459C166-16D3-4A25-A2F8-C51E0E346B22}" type="datetimeFigureOut">
               <a:rPr lang="en-US" smtClean="0"/>
               <a:pPr/>
-              <a:t>6/20/16</a:t>
+              <a:t>6/30/16</a:t>
             </a:fld>
             <a:endParaRPr lang="en-US"/>
           </a:p>
@@ -13181,7 +12944,7 @@
             <a:fld id="{0459C166-16D3-4A25-A2F8-C51E0E346B22}" type="datetimeFigureOut">
               <a:rPr lang="en-US" smtClean="0"/>
               <a:pPr/>
-              <a:t>6/20/16</a:t>
+              <a:t>6/30/16</a:t>
             </a:fld>
             <a:endParaRPr lang="en-US"/>
           </a:p>
@@ -13278,7 +13041,7 @@
             <a:fld id="{0459C166-16D3-4A25-A2F8-C51E0E346B22}" type="datetimeFigureOut">
               <a:rPr lang="en-US" smtClean="0"/>
               <a:pPr/>
-              <a:t>6/20/16</a:t>
+              <a:t>6/30/16</a:t>
             </a:fld>
             <a:endParaRPr lang="en-US"/>
           </a:p>
@@ -13555,7 +13318,7 @@
             <a:fld id="{0459C166-16D3-4A25-A2F8-C51E0E346B22}" type="datetimeFigureOut">
               <a:rPr lang="en-US" smtClean="0"/>
               <a:pPr/>
-              <a:t>6/20/16</a:t>
+              <a:t>6/30/16</a:t>
             </a:fld>
             <a:endParaRPr lang="en-US"/>
           </a:p>
@@ -13809,7 +13572,7 @@
             <a:fld id="{0459C166-16D3-4A25-A2F8-C51E0E346B22}" type="datetimeFigureOut">
               <a:rPr lang="en-US" smtClean="0"/>
               <a:pPr/>
-              <a:t>6/20/16</a:t>
+              <a:t>6/30/16</a:t>
             </a:fld>
             <a:endParaRPr lang="en-US"/>
           </a:p>
@@ -14022,7 +13785,7 @@
             <a:fld id="{0459C166-16D3-4A25-A2F8-C51E0E346B22}" type="datetimeFigureOut">
               <a:rPr lang="en-US" smtClean="0"/>
               <a:pPr/>
-              <a:t>6/20/16</a:t>
+              <a:t>6/30/16</a:t>
             </a:fld>
             <a:endParaRPr lang="en-US"/>
           </a:p>
@@ -14569,7 +14332,7 @@
                 <a:latin typeface="Segoe UI"/>
               </a:rPr>
               <a:pPr/>
-              <a:t>6/20/16</a:t>
+              <a:t>6/30/16</a:t>
             </a:fld>
             <a:endParaRPr lang="en-US">
               <a:solidFill>
@@ -15115,23 +14878,7 @@
                   <a:srgbClr val="FFFF00"/>
                 </a:solidFill>
               </a:rPr>
-              <a:t>Creating </a:t>
-            </a:r>
-            <a:r>
-              <a:rPr lang="en-US" sz="4000" dirty="0" smtClean="0">
-                <a:solidFill>
-                  <a:srgbClr val="FFFF00"/>
-                </a:solidFill>
-              </a:rPr>
-              <a:t>a Web Server </a:t>
-            </a:r>
-            <a:r>
-              <a:rPr lang="en-US" sz="4000" dirty="0" smtClean="0">
-                <a:solidFill>
-                  <a:srgbClr val="FFFF00"/>
-                </a:solidFill>
-              </a:rPr>
-              <a:t>in Azure with Chef</a:t>
+              <a:t>Creating a Web Server in Azure with Chef</a:t>
             </a:r>
             <a:endParaRPr lang="en-US" sz="4000" dirty="0">
               <a:solidFill>
@@ -15579,21 +15326,8 @@
                   <a:srgbClr val="000000"/>
                 </a:solidFill>
               </a:rPr>
-              <a:t>Click on ‘Endpoints</a:t>
-            </a:r>
-            <a:r>
-              <a:rPr lang="en-US" sz="2800" dirty="0" smtClean="0">
-                <a:solidFill>
-                  <a:srgbClr val="000000"/>
-                </a:solidFill>
-              </a:rPr>
-              <a:t>’</a:t>
-            </a:r>
-            <a:endParaRPr lang="en-US" sz="2800" dirty="0" smtClean="0">
-              <a:solidFill>
-                <a:srgbClr val="000000"/>
-              </a:solidFill>
-            </a:endParaRPr>
+              <a:t>Click on ‘Endpoints’</a:t>
+            </a:r>
           </a:p>
         </p:txBody>
       </p:sp>
@@ -18613,15 +18347,7 @@
                   <a:srgbClr val="000000"/>
                 </a:solidFill>
               </a:rPr>
-              <a:t>ersion </a:t>
-            </a:r>
-            <a:r>
-              <a:rPr lang="en-US" sz="2800" dirty="0" smtClean="0">
-                <a:solidFill>
-                  <a:srgbClr val="000000"/>
-                </a:solidFill>
-              </a:rPr>
-              <a:t>numbers </a:t>
+              <a:t>ersion numbers </a:t>
             </a:r>
             <a:r>
               <a:rPr lang="en-US" sz="2800" dirty="0">
@@ -18637,23 +18363,7 @@
                   <a:srgbClr val="000000"/>
                 </a:solidFill>
               </a:rPr>
-              <a:t>ndicates </a:t>
-            </a:r>
-            <a:r>
-              <a:rPr lang="en-US" sz="2800" dirty="0" smtClean="0">
-                <a:solidFill>
-                  <a:srgbClr val="000000"/>
-                </a:solidFill>
-              </a:rPr>
-              <a:t>a </a:t>
-            </a:r>
-            <a:r>
-              <a:rPr lang="en-US" sz="2800" dirty="0" smtClean="0">
-                <a:solidFill>
-                  <a:srgbClr val="000000"/>
-                </a:solidFill>
-              </a:rPr>
-              <a:t>successful</a:t>
+              <a:t>ndicates a successful</a:t>
             </a:r>
             <a:r>
               <a:rPr lang="en-US" sz="2800" dirty="0">
@@ -18669,21 +18379,8 @@
                   <a:srgbClr val="000000"/>
                 </a:solidFill>
               </a:rPr>
-              <a:t>i</a:t>
-            </a:r>
-            <a:r>
-              <a:rPr lang="en-US" sz="2800" dirty="0" smtClean="0">
-                <a:solidFill>
-                  <a:srgbClr val="000000"/>
-                </a:solidFill>
-              </a:rPr>
-              <a:t>nstallation</a:t>
-            </a:r>
-            <a:endParaRPr lang="en-US" sz="2800" dirty="0" smtClean="0">
-              <a:solidFill>
-                <a:srgbClr val="000000"/>
-              </a:solidFill>
-            </a:endParaRPr>
+              <a:t>installation</a:t>
+            </a:r>
           </a:p>
         </p:txBody>
       </p:sp>
@@ -19151,21 +18848,8 @@
                   <a:srgbClr val="000000"/>
                 </a:solidFill>
               </a:rPr>
-              <a:t>This is where cookbooks will be </a:t>
-            </a:r>
-            <a:r>
-              <a:rPr lang="en-US" sz="2800" dirty="0" smtClean="0">
-                <a:solidFill>
-                  <a:srgbClr val="000000"/>
-                </a:solidFill>
-              </a:rPr>
-              <a:t>stored</a:t>
-            </a:r>
-            <a:endParaRPr lang="en-US" sz="2800" dirty="0" smtClean="0">
-              <a:solidFill>
-                <a:srgbClr val="000000"/>
-              </a:solidFill>
-            </a:endParaRPr>
+              <a:t>This is where cookbooks will be stored</a:t>
+            </a:r>
           </a:p>
           <a:p>
             <a:pPr marL="1022350" lvl="1" indent="-334963">
@@ -19645,21 +19329,8 @@
                   <a:srgbClr val="000000"/>
                 </a:solidFill>
               </a:rPr>
-              <a:t>$chef generate cookbook cookbooks/</a:t>
-            </a:r>
-            <a:r>
-              <a:rPr lang="en-US" sz="2800" b="1" dirty="0" smtClean="0">
-                <a:solidFill>
-                  <a:srgbClr val="000000"/>
-                </a:solidFill>
-              </a:rPr>
-              <a:t>apache</a:t>
-            </a:r>
-            <a:endParaRPr lang="en-US" sz="2800" b="1" dirty="0" smtClean="0">
-              <a:solidFill>
-                <a:srgbClr val="000000"/>
-              </a:solidFill>
-            </a:endParaRPr>
+              <a:t>$chef generate cookbook cookbooks/apache</a:t>
+            </a:r>
           </a:p>
         </p:txBody>
       </p:sp>
@@ -20156,15 +19827,7 @@
                   <a:srgbClr val="000000"/>
                 </a:solidFill>
               </a:rPr>
-              <a:t>package  </a:t>
-            </a:r>
-            <a:r>
-              <a:rPr lang="en-US" sz="2800" dirty="0" smtClean="0">
-                <a:solidFill>
-                  <a:srgbClr val="000000"/>
-                </a:solidFill>
-              </a:rPr>
-              <a:t>‘</a:t>
+              <a:t>package  ‘</a:t>
             </a:r>
             <a:r>
               <a:rPr lang="en-US" sz="2800" dirty="0" err="1" smtClean="0">
@@ -20195,23 +19858,7 @@
                   <a:srgbClr val="000000"/>
                 </a:solidFill>
               </a:rPr>
-              <a:t>    action </a:t>
-            </a:r>
-            <a:r>
-              <a:rPr lang="en-US" sz="2800" dirty="0" smtClean="0">
-                <a:solidFill>
-                  <a:srgbClr val="000000"/>
-                </a:solidFill>
-              </a:rPr>
-              <a:t>:</a:t>
-            </a:r>
-            <a:r>
-              <a:rPr lang="en-US" sz="2800" dirty="0" smtClean="0">
-                <a:solidFill>
-                  <a:srgbClr val="000000"/>
-                </a:solidFill>
-              </a:rPr>
-              <a:t>install</a:t>
+              <a:t>    action :install</a:t>
             </a:r>
             <a:r>
               <a:rPr lang="en-US" sz="2800" dirty="0">
@@ -21201,15 +20848,7 @@
                   <a:srgbClr val="000000"/>
                 </a:solidFill>
               </a:rPr>
-              <a:t>file </a:t>
-            </a:r>
-            <a:r>
-              <a:rPr lang="en-US" sz="2800" dirty="0" smtClean="0">
-                <a:solidFill>
-                  <a:srgbClr val="000000"/>
-                </a:solidFill>
-              </a:rPr>
-              <a:t>‘/</a:t>
+              <a:t>file ‘/</a:t>
             </a:r>
             <a:r>
               <a:rPr lang="en-US" sz="2800" dirty="0" err="1" smtClean="0">
@@ -21797,15 +21436,7 @@
                   <a:srgbClr val="000000"/>
                 </a:solidFill>
               </a:rPr>
-              <a:t>service </a:t>
-            </a:r>
-            <a:r>
-              <a:rPr lang="en-US" sz="2800" dirty="0" smtClean="0">
-                <a:solidFill>
-                  <a:srgbClr val="000000"/>
-                </a:solidFill>
-              </a:rPr>
-              <a:t>‘</a:t>
+              <a:t>service ‘</a:t>
             </a:r>
             <a:r>
               <a:rPr lang="en-US" sz="2800" dirty="0" err="1" smtClean="0">
@@ -23085,15 +22716,7 @@
                   <a:srgbClr val="000000"/>
                 </a:solidFill>
               </a:rPr>
-              <a:t>‘</a:t>
-            </a:r>
-            <a:r>
-              <a:rPr lang="en-US" sz="2800" dirty="0" smtClean="0">
-                <a:solidFill>
-                  <a:srgbClr val="000000"/>
-                </a:solidFill>
-              </a:rPr>
-              <a:t>Chef Client finished’ message</a:t>
+              <a:t>‘Chef Client finished’ message</a:t>
             </a:r>
           </a:p>
           <a:p>
@@ -24526,21 +24149,8 @@
                   <a:srgbClr val="000000"/>
                 </a:solidFill>
               </a:rPr>
-              <a:t>Find the IP Address of the virtual </a:t>
-            </a:r>
-            <a:r>
-              <a:rPr lang="en-US" sz="2800" dirty="0" smtClean="0">
-                <a:solidFill>
-                  <a:srgbClr val="000000"/>
-                </a:solidFill>
-              </a:rPr>
-              <a:t>machine</a:t>
-            </a:r>
-            <a:endParaRPr lang="en-US" sz="2800" dirty="0" smtClean="0">
-              <a:solidFill>
-                <a:srgbClr val="000000"/>
-              </a:solidFill>
-            </a:endParaRPr>
+              <a:t>Find the IP Address of the virtual machine</a:t>
+            </a:r>
           </a:p>
           <a:p>
             <a:pPr marL="1022350" lvl="1" indent="-334963">
@@ -26661,21 +26271,8 @@
                   <a:srgbClr val="000000"/>
                 </a:solidFill>
               </a:rPr>
-              <a:t>This is where cookbooks will be </a:t>
-            </a:r>
-            <a:r>
-              <a:rPr lang="en-US" sz="2800" dirty="0" smtClean="0">
-                <a:solidFill>
-                  <a:srgbClr val="000000"/>
-                </a:solidFill>
-              </a:rPr>
-              <a:t>stored</a:t>
-            </a:r>
-            <a:endParaRPr lang="en-US" sz="2800" dirty="0" smtClean="0">
-              <a:solidFill>
-                <a:srgbClr val="000000"/>
-              </a:solidFill>
-            </a:endParaRPr>
+              <a:t>This is where cookbooks will be stored</a:t>
+            </a:r>
           </a:p>
         </p:txBody>
       </p:sp>
@@ -27614,21 +27211,8 @@
                   <a:srgbClr val="000000"/>
                 </a:solidFill>
               </a:rPr>
-              <a:t>Start with the resource to enable </a:t>
-            </a:r>
-            <a:r>
-              <a:rPr lang="en-US" sz="2800" dirty="0" smtClean="0">
-                <a:solidFill>
-                  <a:srgbClr val="000000"/>
-                </a:solidFill>
-              </a:rPr>
-              <a:t>IIS</a:t>
-            </a:r>
-            <a:endParaRPr lang="en-US" sz="2800" dirty="0" smtClean="0">
-              <a:solidFill>
-                <a:srgbClr val="000000"/>
-              </a:solidFill>
-            </a:endParaRPr>
+              <a:t>Start with the resource to enable IIS</a:t>
+            </a:r>
           </a:p>
         </p:txBody>
       </p:sp>
@@ -28475,11 +28059,6 @@
               </a:rPr>
               <a:t>’</a:t>
             </a:r>
-            <a:endParaRPr lang="en-US" sz="2800" dirty="0" smtClean="0">
-              <a:solidFill>
-                <a:srgbClr val="000000"/>
-              </a:solidFill>
-            </a:endParaRPr>
           </a:p>
         </p:txBody>
       </p:sp>
@@ -29253,21 +28832,8 @@
                   <a:srgbClr val="000000"/>
                 </a:solidFill>
               </a:rPr>
-              <a:t>The two actions ‘enable’ the service to start upon reboot as well ‘start’ the service </a:t>
-            </a:r>
-            <a:r>
-              <a:rPr lang="en-US" sz="2800" dirty="0" smtClean="0">
-                <a:solidFill>
-                  <a:srgbClr val="000000"/>
-                </a:solidFill>
-              </a:rPr>
-              <a:t>now</a:t>
-            </a:r>
-            <a:endParaRPr lang="en-US" sz="2800" dirty="0" smtClean="0">
-              <a:solidFill>
-                <a:srgbClr val="000000"/>
-              </a:solidFill>
-            </a:endParaRPr>
+              <a:t>The two actions ‘enable’ the service to start upon reboot as well ‘start’ the service now</a:t>
+            </a:r>
           </a:p>
         </p:txBody>
       </p:sp>
@@ -30784,15 +30350,7 @@
                   <a:srgbClr val="000000"/>
                 </a:solidFill>
               </a:rPr>
-              <a:t>‘</a:t>
-            </a:r>
-            <a:r>
-              <a:rPr lang="en-US" sz="2800" dirty="0" smtClean="0">
-                <a:solidFill>
-                  <a:srgbClr val="000000"/>
-                </a:solidFill>
-              </a:rPr>
-              <a:t>Chef Client finished’ message</a:t>
+              <a:t>‘Chef Client finished’ message</a:t>
             </a:r>
           </a:p>
           <a:p>
@@ -32659,21 +32217,8 @@
                   <a:srgbClr val="000000"/>
                 </a:solidFill>
               </a:rPr>
-              <a:t>Find the IP Address of the virtual </a:t>
-            </a:r>
-            <a:r>
-              <a:rPr lang="en-US" sz="2800" dirty="0" smtClean="0">
-                <a:solidFill>
-                  <a:srgbClr val="000000"/>
-                </a:solidFill>
-              </a:rPr>
-              <a:t>machine</a:t>
-            </a:r>
-            <a:endParaRPr lang="en-US" sz="2800" dirty="0" smtClean="0">
-              <a:solidFill>
-                <a:srgbClr val="000000"/>
-              </a:solidFill>
-            </a:endParaRPr>
+              <a:t>Find the IP Address of the virtual machine</a:t>
+            </a:r>
           </a:p>
           <a:p>
             <a:pPr marL="1022350" lvl="1" indent="-334963">
@@ -34821,11 +34366,6 @@
               </a:rPr>
               <a:t>form:</a:t>
             </a:r>
-            <a:endParaRPr lang="en-US" sz="2800" dirty="0" smtClean="0">
-              <a:solidFill>
-                <a:srgbClr val="000000"/>
-              </a:solidFill>
-            </a:endParaRPr>
           </a:p>
           <a:p>
             <a:pPr marL="1022350" lvl="1" indent="-334963">
@@ -34838,15 +34378,7 @@
                   <a:srgbClr val="000000"/>
                 </a:solidFill>
               </a:rPr>
-              <a:t>Use </a:t>
-            </a:r>
-            <a:r>
-              <a:rPr lang="en-US" sz="2800" dirty="0" smtClean="0">
-                <a:solidFill>
-                  <a:srgbClr val="000000"/>
-                </a:solidFill>
-              </a:rPr>
-              <a:t>any VM Name</a:t>
+              <a:t>Use any VM Name</a:t>
             </a:r>
           </a:p>
           <a:p>
@@ -35134,15 +34666,7 @@
                   <a:srgbClr val="000000"/>
                 </a:solidFill>
               </a:rPr>
-              <a:t>Choose </a:t>
-            </a:r>
-            <a:r>
-              <a:rPr lang="en-US" sz="2800" dirty="0" smtClean="0">
-                <a:solidFill>
-                  <a:srgbClr val="000000"/>
-                </a:solidFill>
-              </a:rPr>
-              <a:t>the smallest machine size offered</a:t>
+              <a:t>Choose the smallest machine size offered</a:t>
             </a:r>
           </a:p>
           <a:p>
@@ -35156,21 +34680,8 @@
                   <a:srgbClr val="000000"/>
                 </a:solidFill>
               </a:rPr>
-              <a:t>Click ‘Select</a:t>
-            </a:r>
-            <a:r>
-              <a:rPr lang="en-US" sz="2800" dirty="0" smtClean="0">
-                <a:solidFill>
-                  <a:srgbClr val="000000"/>
-                </a:solidFill>
-              </a:rPr>
-              <a:t>’</a:t>
-            </a:r>
-            <a:endParaRPr lang="en-US" sz="2800" dirty="0" smtClean="0">
-              <a:solidFill>
-                <a:srgbClr val="000000"/>
-              </a:solidFill>
-            </a:endParaRPr>
+              <a:t>Click ‘Select’</a:t>
+            </a:r>
           </a:p>
         </p:txBody>
       </p:sp>
@@ -35419,7 +34930,7 @@
   <a:extraClrSchemeLst/>
   <a:extLst>
     <a:ext uri="{05A4C25C-085E-4340-85A3-A5531E510DB2}">
-      <thm15:themeFamily xmlns:thm15="http://schemas.microsoft.com/office/thememl/2012/main" xmlns="" name="Office Theme" id="{62F939B6-93AF-4DB8-9C6B-D6C7DFDC589F}" vid="{4A3C46E8-61CC-4603-A589-7422A47A8E4A}"/>
+      <thm15:themeFamily xmlns="" xmlns:thm15="http://schemas.microsoft.com/office/thememl/2012/main" name="Office Theme" id="{62F939B6-93AF-4DB8-9C6B-D6C7DFDC589F}" vid="{4A3C46E8-61CC-4603-A589-7422A47A8E4A}"/>
     </a:ext>
   </a:extLst>
 </a:theme>
@@ -35688,7 +35199,7 @@
   <a:extraClrSchemeLst/>
   <a:extLst>
     <a:ext uri="{05A4C25C-085E-4340-85A3-A5531E510DB2}">
-      <thm15:themeFamily xmlns:thm15="http://schemas.microsoft.com/office/thememl/2012/main" xmlns="" name="Office Theme" id="{62F939B6-93AF-4DB8-9C6B-D6C7DFDC589F}" vid="{4A3C46E8-61CC-4603-A589-7422A47A8E4A}"/>
+      <thm15:themeFamily xmlns="" xmlns:thm15="http://schemas.microsoft.com/office/thememl/2012/main" name="Office Theme" id="{62F939B6-93AF-4DB8-9C6B-D6C7DFDC589F}" vid="{4A3C46E8-61CC-4603-A589-7422A47A8E4A}"/>
     </a:ext>
   </a:extLst>
 </a:theme>
@@ -35983,7 +35494,7 @@
   <a:extraClrSchemeLst/>
   <a:extLst>
     <a:ext uri="{05A4C25C-085E-4340-85A3-A5531E510DB2}">
-      <thm15:themeFamily xmlns:thm15="http://schemas.microsoft.com/office/thememl/2012/main" xmlns="" name="Office Theme" id="{62F939B6-93AF-4DB8-9C6B-D6C7DFDC589F}" vid="{4A3C46E8-61CC-4603-A589-7422A47A8E4A}"/>
+      <thm15:themeFamily xmlns="" xmlns:thm15="http://schemas.microsoft.com/office/thememl/2012/main" name="Office Theme" id="{62F939B6-93AF-4DB8-9C6B-D6C7DFDC589F}" vid="{4A3C46E8-61CC-4603-A589-7422A47A8E4A}"/>
     </a:ext>
   </a:extLst>
 </a:theme>

--- a/Complimentary Course Content/Module7/Lessons/Module7_Lesson4 Launching A Web server With Chef.pptx
+++ b/Complimentary Course Content/Module7/Lessons/Module7_Lesson4 Launching A Web server With Chef.pptx
@@ -150,7 +150,7 @@
   </p:defaultTextStyle>
   <p:extLst>
     <p:ext uri="{EFAFB233-063F-42B5-8137-9DF3F51BA10A}">
-      <p15:sldGuideLst xmlns="" xmlns:p15="http://schemas.microsoft.com/office/powerpoint/2012/main">
+      <p15:sldGuideLst xmlns:p15="http://schemas.microsoft.com/office/powerpoint/2012/main" xmlns="">
         <p15:guide id="1" orient="horz" pos="2184" userDrawn="1">
           <p15:clr>
             <a:srgbClr val="A4A3A4"/>
@@ -271,7 +271,7 @@
             <a:fld id="{49B60EF2-7028-489F-85D8-FE86CD7CF2A0}" type="datetimeFigureOut">
               <a:rPr lang="en-US" smtClean="0"/>
               <a:pPr/>
-              <a:t>6/30/16</a:t>
+              <a:t>7/11/16</a:t>
             </a:fld>
             <a:endParaRPr lang="en-US"/>
           </a:p>
@@ -6310,6 +6310,62 @@
           <a:bodyPr/>
           <a:lstStyle/>
           <a:p>
+            <a:pPr marL="0" indent="0">
+              <a:buFont typeface="Arial"/>
+              <a:buNone/>
+            </a:pPr>
+            <a:r>
+              <a:rPr lang="en-US" b="1" smtClean="0"/>
+              <a:t>Notes:</a:t>
+            </a:r>
+          </a:p>
+          <a:p>
+            <a:pPr marL="171450" indent="-171450">
+              <a:buFont typeface="Arial"/>
+              <a:buChar char="•"/>
+            </a:pPr>
+            <a:r>
+              <a:rPr lang="en-US" dirty="0" smtClean="0"/>
+              <a:t>The</a:t>
+            </a:r>
+            <a:r>
+              <a:rPr lang="en-US" baseline="0" dirty="0" smtClean="0"/>
+              <a:t> Module 7 Lesson 4 Lab should be completed at this time</a:t>
+            </a:r>
+          </a:p>
+          <a:p>
+            <a:pPr marL="628650" lvl="1" indent="-171450">
+              <a:buFont typeface="Arial"/>
+              <a:buChar char="•"/>
+            </a:pPr>
+            <a:r>
+              <a:rPr lang="en-US" dirty="0" smtClean="0"/>
+              <a:t>https://</a:t>
+            </a:r>
+            <a:r>
+              <a:rPr lang="en-US" dirty="0" err="1" smtClean="0"/>
+              <a:t>github.com</a:t>
+            </a:r>
+            <a:r>
+              <a:rPr lang="en-US" dirty="0" smtClean="0"/>
+              <a:t>/</a:t>
+            </a:r>
+            <a:r>
+              <a:rPr lang="en-US" dirty="0" err="1" smtClean="0"/>
+              <a:t>MSFTImagine</a:t>
+            </a:r>
+            <a:r>
+              <a:rPr lang="en-US" dirty="0" smtClean="0"/>
+              <a:t>/</a:t>
+            </a:r>
+            <a:r>
+              <a:rPr lang="en-US" dirty="0" err="1" smtClean="0"/>
+              <a:t>computerscience</a:t>
+            </a:r>
+            <a:r>
+              <a:rPr lang="en-US" dirty="0" smtClean="0"/>
+              <a:t>/tree/master/Complimentary%20Course%20Content/Module7/Labs</a:t>
+            </a:r>
             <a:endParaRPr lang="en-US" dirty="0"/>
           </a:p>
         </p:txBody>
@@ -7306,7 +7362,7 @@
             <a:fld id="{0459C166-16D3-4A25-A2F8-C51E0E346B22}" type="datetimeFigureOut">
               <a:rPr lang="en-US" smtClean="0"/>
               <a:pPr/>
-              <a:t>6/30/16</a:t>
+              <a:t>7/11/16</a:t>
             </a:fld>
             <a:endParaRPr lang="en-US"/>
           </a:p>
@@ -7476,7 +7532,7 @@
             <a:fld id="{0459C166-16D3-4A25-A2F8-C51E0E346B22}" type="datetimeFigureOut">
               <a:rPr lang="en-US" smtClean="0"/>
               <a:pPr/>
-              <a:t>6/30/16</a:t>
+              <a:t>7/11/16</a:t>
             </a:fld>
             <a:endParaRPr lang="en-US"/>
           </a:p>
@@ -7656,7 +7712,7 @@
             <a:fld id="{0459C166-16D3-4A25-A2F8-C51E0E346B22}" type="datetimeFigureOut">
               <a:rPr lang="en-US" smtClean="0"/>
               <a:pPr/>
-              <a:t>6/30/16</a:t>
+              <a:t>7/11/16</a:t>
             </a:fld>
             <a:endParaRPr lang="en-US"/>
           </a:p>
@@ -7873,7 +7929,7 @@
                 <a:latin typeface="Segoe UI"/>
               </a:rPr>
               <a:pPr/>
-              <a:t>6/30/16</a:t>
+              <a:t>7/11/16</a:t>
             </a:fld>
             <a:endParaRPr lang="en-US">
               <a:solidFill>
@@ -8078,7 +8134,7 @@
                 <a:latin typeface="Segoe UI"/>
               </a:rPr>
               <a:pPr/>
-              <a:t>6/30/16</a:t>
+              <a:t>7/11/16</a:t>
             </a:fld>
             <a:endParaRPr lang="en-US">
               <a:solidFill>
@@ -8376,7 +8432,7 @@
                 <a:latin typeface="Segoe UI"/>
               </a:rPr>
               <a:pPr/>
-              <a:t>6/30/16</a:t>
+              <a:t>7/11/16</a:t>
             </a:fld>
             <a:endParaRPr lang="en-US">
               <a:solidFill>
@@ -8720,7 +8776,7 @@
                 <a:latin typeface="Segoe UI"/>
               </a:rPr>
               <a:pPr/>
-              <a:t>6/30/16</a:t>
+              <a:t>7/11/16</a:t>
             </a:fld>
             <a:endParaRPr lang="en-US">
               <a:solidFill>
@@ -9095,7 +9151,7 @@
                 <a:latin typeface="Segoe UI"/>
               </a:rPr>
               <a:pPr/>
-              <a:t>6/30/16</a:t>
+              <a:t>7/11/16</a:t>
             </a:fld>
             <a:endParaRPr lang="en-US">
               <a:solidFill>
@@ -9971,7 +10027,7 @@
             <a:fld id="{0459C166-16D3-4A25-A2F8-C51E0E346B22}" type="datetimeFigureOut">
               <a:rPr lang="en-US" smtClean="0"/>
               <a:pPr/>
-              <a:t>6/30/16</a:t>
+              <a:t>7/11/16</a:t>
             </a:fld>
             <a:endParaRPr lang="en-US"/>
           </a:p>
@@ -10209,7 +10265,7 @@
                 <a:latin typeface="Segoe UI"/>
               </a:rPr>
               <a:pPr/>
-              <a:t>6/30/16</a:t>
+              <a:t>7/11/16</a:t>
             </a:fld>
             <a:endParaRPr lang="en-US">
               <a:solidFill>
@@ -10610,7 +10666,7 @@
                 <a:latin typeface="Segoe UI"/>
               </a:rPr>
               <a:pPr/>
-              <a:t>6/30/16</a:t>
+              <a:t>7/11/16</a:t>
             </a:fld>
             <a:endParaRPr lang="en-US">
               <a:solidFill>
@@ -10764,7 +10820,7 @@
                 <a:latin typeface="Segoe UI"/>
               </a:rPr>
               <a:pPr/>
-              <a:t>6/30/16</a:t>
+              <a:t>7/11/16</a:t>
             </a:fld>
             <a:endParaRPr lang="en-US">
               <a:solidFill>
@@ -10896,7 +10952,7 @@
                 <a:latin typeface="Segoe UI"/>
               </a:rPr>
               <a:pPr/>
-              <a:t>6/30/16</a:t>
+              <a:t>7/11/16</a:t>
             </a:fld>
             <a:endParaRPr lang="en-US">
               <a:solidFill>
@@ -11208,7 +11264,7 @@
                 <a:latin typeface="Segoe UI"/>
               </a:rPr>
               <a:pPr/>
-              <a:t>6/30/16</a:t>
+              <a:t>7/11/16</a:t>
             </a:fld>
             <a:endParaRPr lang="en-US">
               <a:solidFill>
@@ -11497,7 +11553,7 @@
                 <a:latin typeface="Segoe UI"/>
               </a:rPr>
               <a:pPr/>
-              <a:t>6/30/16</a:t>
+              <a:t>7/11/16</a:t>
             </a:fld>
             <a:endParaRPr lang="en-US">
               <a:solidFill>
@@ -11702,7 +11758,7 @@
                 <a:latin typeface="Segoe UI"/>
               </a:rPr>
               <a:pPr/>
-              <a:t>6/30/16</a:t>
+              <a:t>7/11/16</a:t>
             </a:fld>
             <a:endParaRPr lang="en-US">
               <a:solidFill>
@@ -11917,7 +11973,7 @@
                 <a:latin typeface="Segoe UI"/>
               </a:rPr>
               <a:pPr/>
-              <a:t>6/30/16</a:t>
+              <a:t>7/11/16</a:t>
             </a:fld>
             <a:endParaRPr lang="en-US">
               <a:solidFill>
@@ -12212,7 +12268,7 @@
             <a:fld id="{0459C166-16D3-4A25-A2F8-C51E0E346B22}" type="datetimeFigureOut">
               <a:rPr lang="en-US" smtClean="0"/>
               <a:pPr/>
-              <a:t>6/30/16</a:t>
+              <a:t>7/11/16</a:t>
             </a:fld>
             <a:endParaRPr lang="en-US"/>
           </a:p>
@@ -12459,7 +12515,7 @@
             <a:fld id="{0459C166-16D3-4A25-A2F8-C51E0E346B22}" type="datetimeFigureOut">
               <a:rPr lang="en-US" smtClean="0"/>
               <a:pPr/>
-              <a:t>6/30/16</a:t>
+              <a:t>7/11/16</a:t>
             </a:fld>
             <a:endParaRPr lang="en-US"/>
           </a:p>
@@ -12825,7 +12881,7 @@
             <a:fld id="{0459C166-16D3-4A25-A2F8-C51E0E346B22}" type="datetimeFigureOut">
               <a:rPr lang="en-US" smtClean="0"/>
               <a:pPr/>
-              <a:t>6/30/16</a:t>
+              <a:t>7/11/16</a:t>
             </a:fld>
             <a:endParaRPr lang="en-US"/>
           </a:p>
@@ -12944,7 +13000,7 @@
             <a:fld id="{0459C166-16D3-4A25-A2F8-C51E0E346B22}" type="datetimeFigureOut">
               <a:rPr lang="en-US" smtClean="0"/>
               <a:pPr/>
-              <a:t>6/30/16</a:t>
+              <a:t>7/11/16</a:t>
             </a:fld>
             <a:endParaRPr lang="en-US"/>
           </a:p>
@@ -13041,7 +13097,7 @@
             <a:fld id="{0459C166-16D3-4A25-A2F8-C51E0E346B22}" type="datetimeFigureOut">
               <a:rPr lang="en-US" smtClean="0"/>
               <a:pPr/>
-              <a:t>6/30/16</a:t>
+              <a:t>7/11/16</a:t>
             </a:fld>
             <a:endParaRPr lang="en-US"/>
           </a:p>
@@ -13318,7 +13374,7 @@
             <a:fld id="{0459C166-16D3-4A25-A2F8-C51E0E346B22}" type="datetimeFigureOut">
               <a:rPr lang="en-US" smtClean="0"/>
               <a:pPr/>
-              <a:t>6/30/16</a:t>
+              <a:t>7/11/16</a:t>
             </a:fld>
             <a:endParaRPr lang="en-US"/>
           </a:p>
@@ -13572,7 +13628,7 @@
             <a:fld id="{0459C166-16D3-4A25-A2F8-C51E0E346B22}" type="datetimeFigureOut">
               <a:rPr lang="en-US" smtClean="0"/>
               <a:pPr/>
-              <a:t>6/30/16</a:t>
+              <a:t>7/11/16</a:t>
             </a:fld>
             <a:endParaRPr lang="en-US"/>
           </a:p>
@@ -13785,7 +13841,7 @@
             <a:fld id="{0459C166-16D3-4A25-A2F8-C51E0E346B22}" type="datetimeFigureOut">
               <a:rPr lang="en-US" smtClean="0"/>
               <a:pPr/>
-              <a:t>6/30/16</a:t>
+              <a:t>7/11/16</a:t>
             </a:fld>
             <a:endParaRPr lang="en-US"/>
           </a:p>
@@ -14332,7 +14388,7 @@
                 <a:latin typeface="Segoe UI"/>
               </a:rPr>
               <a:pPr/>
-              <a:t>6/30/16</a:t>
+              <a:t>7/11/16</a:t>
             </a:fld>
             <a:endParaRPr lang="en-US">
               <a:solidFill>
@@ -34930,7 +34986,7 @@
   <a:extraClrSchemeLst/>
   <a:extLst>
     <a:ext uri="{05A4C25C-085E-4340-85A3-A5531E510DB2}">
-      <thm15:themeFamily xmlns="" xmlns:thm15="http://schemas.microsoft.com/office/thememl/2012/main" name="Office Theme" id="{62F939B6-93AF-4DB8-9C6B-D6C7DFDC589F}" vid="{4A3C46E8-61CC-4603-A589-7422A47A8E4A}"/>
+      <thm15:themeFamily xmlns:thm15="http://schemas.microsoft.com/office/thememl/2012/main" xmlns="" name="Office Theme" id="{62F939B6-93AF-4DB8-9C6B-D6C7DFDC589F}" vid="{4A3C46E8-61CC-4603-A589-7422A47A8E4A}"/>
     </a:ext>
   </a:extLst>
 </a:theme>
@@ -35199,7 +35255,7 @@
   <a:extraClrSchemeLst/>
   <a:extLst>
     <a:ext uri="{05A4C25C-085E-4340-85A3-A5531E510DB2}">
-      <thm15:themeFamily xmlns="" xmlns:thm15="http://schemas.microsoft.com/office/thememl/2012/main" name="Office Theme" id="{62F939B6-93AF-4DB8-9C6B-D6C7DFDC589F}" vid="{4A3C46E8-61CC-4603-A589-7422A47A8E4A}"/>
+      <thm15:themeFamily xmlns:thm15="http://schemas.microsoft.com/office/thememl/2012/main" xmlns="" name="Office Theme" id="{62F939B6-93AF-4DB8-9C6B-D6C7DFDC589F}" vid="{4A3C46E8-61CC-4603-A589-7422A47A8E4A}"/>
     </a:ext>
   </a:extLst>
 </a:theme>
@@ -35494,7 +35550,7 @@
   <a:extraClrSchemeLst/>
   <a:extLst>
     <a:ext uri="{05A4C25C-085E-4340-85A3-A5531E510DB2}">
-      <thm15:themeFamily xmlns="" xmlns:thm15="http://schemas.microsoft.com/office/thememl/2012/main" name="Office Theme" id="{62F939B6-93AF-4DB8-9C6B-D6C7DFDC589F}" vid="{4A3C46E8-61CC-4603-A589-7422A47A8E4A}"/>
+      <thm15:themeFamily xmlns:thm15="http://schemas.microsoft.com/office/thememl/2012/main" xmlns="" name="Office Theme" id="{62F939B6-93AF-4DB8-9C6B-D6C7DFDC589F}" vid="{4A3C46E8-61CC-4603-A589-7422A47A8E4A}"/>
     </a:ext>
   </a:extLst>
 </a:theme>

--- a/Complimentary Course Content/Module7/Lessons/Module7_Lesson4 Launching A Web server With Chef.pptx
+++ b/Complimentary Course Content/Module7/Lessons/Module7_Lesson4 Launching A Web server With Chef.pptx
@@ -150,7 +150,7 @@
   </p:defaultTextStyle>
   <p:extLst>
     <p:ext uri="{EFAFB233-063F-42B5-8137-9DF3F51BA10A}">
-      <p15:sldGuideLst xmlns:p15="http://schemas.microsoft.com/office/powerpoint/2012/main" xmlns="">
+      <p15:sldGuideLst xmlns="" xmlns:p15="http://schemas.microsoft.com/office/powerpoint/2012/main">
         <p15:guide id="1" orient="horz" pos="2184" userDrawn="1">
           <p15:clr>
             <a:srgbClr val="A4A3A4"/>
@@ -271,7 +271,7 @@
             <a:fld id="{49B60EF2-7028-489F-85D8-FE86CD7CF2A0}" type="datetimeFigureOut">
               <a:rPr lang="en-US" smtClean="0"/>
               <a:pPr/>
-              <a:t>7/11/16</a:t>
+              <a:t>7/14/16</a:t>
             </a:fld>
             <a:endParaRPr lang="en-US"/>
           </a:p>
@@ -1440,7 +1440,7 @@
             </a:pPr>
             <a:r>
               <a:rPr lang="en-US" baseline="0" dirty="0" smtClean="0"/>
-              <a:t>You can also install previous versions</a:t>
+              <a:t>Previous versions can also be installed.</a:t>
             </a:r>
           </a:p>
           <a:p>
@@ -1463,7 +1463,11 @@
             </a:pPr>
             <a:r>
               <a:rPr lang="en-US" baseline="0" dirty="0" smtClean="0"/>
-              <a:t>Due to </a:t>
+              <a:t>Due </a:t>
+            </a:r>
+            <a:r>
+              <a:rPr lang="en-US" baseline="0" dirty="0" smtClean="0"/>
+              <a:t>to </a:t>
             </a:r>
             <a:r>
               <a:rPr lang="en-US" baseline="0" dirty="0" err="1" smtClean="0"/>
@@ -1718,42 +1722,7 @@
               <a:tabLst/>
               <a:defRPr/>
             </a:pPr>
-            <a:r>
-              <a:rPr lang="en-US" b="1" dirty="0"/>
-              <a:t>Notes</a:t>
-            </a:r>
-            <a:r>
-              <a:rPr lang="en-US" b="1" dirty="0" smtClean="0"/>
-              <a:t>:</a:t>
-            </a:r>
-          </a:p>
-          <a:p>
-            <a:pPr marL="228600" marR="0" lvl="0" indent="-228600" algn="l" defTabSz="914400" rtl="0" eaLnBrk="1" fontAlgn="auto" latinLnBrk="0" hangingPunct="1">
-              <a:lnSpc>
-                <a:spcPct val="100000"/>
-              </a:lnSpc>
-              <a:spcBef>
-                <a:spcPts val="0"/>
-              </a:spcBef>
-              <a:spcAft>
-                <a:spcPts val="0"/>
-              </a:spcAft>
-              <a:buClrTx/>
-              <a:buSzTx/>
-              <a:buFont typeface="Arial"/>
-              <a:buChar char="•"/>
-              <a:tabLst/>
-              <a:defRPr/>
-            </a:pPr>
-            <a:r>
-              <a:rPr lang="en-US" b="0" dirty="0" smtClean="0"/>
-              <a:t>The</a:t>
-            </a:r>
-            <a:r>
-              <a:rPr lang="en-US" b="0" baseline="0" dirty="0" smtClean="0"/>
-              <a:t> chef-client application requires a cookbooks directory.  It will look in this directory for its cookbooks and recipes.</a:t>
-            </a:r>
-            <a:endParaRPr lang="en-US" b="0" dirty="0"/>
+            <a:endParaRPr lang="en-US" b="1" dirty="0" smtClean="0"/>
           </a:p>
         </p:txBody>
       </p:sp>
@@ -1887,16 +1856,9 @@
             </a:r>
             <a:r>
               <a:rPr lang="en-US" b="0" baseline="0" dirty="0" smtClean="0"/>
-              <a:t> generate cookbook’ command creates cookbooks.  Cookbooks can also be created manually (by creating the directories) or with the ‘knife cookbook create &lt;</a:t>
-            </a:r>
-            <a:r>
-              <a:rPr lang="en-US" b="0" baseline="0" dirty="0" err="1" smtClean="0"/>
-              <a:t>cookbook_name</a:t>
-            </a:r>
-            <a:r>
-              <a:rPr lang="en-US" b="0" baseline="0" dirty="0" smtClean="0"/>
-              <a:t>&gt;’ command as well.  ‘chef generate cookbook’ creates a lighter-weight cook structure than ‘knife cookbook create’ </a:t>
-            </a:r>
+              <a:t> generate cookbook’ command creates cookbooks.  </a:t>
+            </a:r>
+            <a:endParaRPr lang="en-US" b="0" baseline="0" dirty="0" smtClean="0"/>
           </a:p>
           <a:p>
             <a:pPr marL="228600" marR="0" lvl="0" indent="-228600" algn="l" defTabSz="914400" rtl="0" eaLnBrk="1" fontAlgn="auto" latinLnBrk="0" hangingPunct="1">
@@ -1918,8 +1880,29 @@
             </a:pPr>
             <a:r>
               <a:rPr lang="en-US" b="0" baseline="0" dirty="0" smtClean="0"/>
-              <a:t>The command is ‘chef generate’</a:t>
-            </a:r>
+              <a:t>Cookbooks </a:t>
+            </a:r>
+            <a:r>
+              <a:rPr lang="en-US" b="0" baseline="0" dirty="0" smtClean="0"/>
+              <a:t>can also be created manually (by creating the directories) or with the ‘knife cookbook create &lt;</a:t>
+            </a:r>
+            <a:r>
+              <a:rPr lang="en-US" b="0" baseline="0" dirty="0" err="1" smtClean="0"/>
+              <a:t>cookbook_name</a:t>
+            </a:r>
+            <a:r>
+              <a:rPr lang="en-US" b="0" baseline="0" dirty="0" smtClean="0"/>
+              <a:t>&gt;’ command as </a:t>
+            </a:r>
+            <a:r>
+              <a:rPr lang="en-US" b="0" baseline="0" dirty="0" smtClean="0"/>
+              <a:t>well</a:t>
+            </a:r>
+            <a:r>
+              <a:rPr lang="en-US" b="0" baseline="0" dirty="0" smtClean="0"/>
+              <a:t>.  </a:t>
+            </a:r>
+            <a:endParaRPr lang="en-US" b="0" baseline="0" dirty="0" smtClean="0"/>
           </a:p>
           <a:p>
             <a:pPr marL="228600" marR="0" lvl="0" indent="-228600" algn="l" defTabSz="914400" rtl="0" eaLnBrk="1" fontAlgn="auto" latinLnBrk="0" hangingPunct="1">
@@ -1941,7 +1924,108 @@
             </a:pPr>
             <a:r>
               <a:rPr lang="en-US" b="0" baseline="0" dirty="0" smtClean="0"/>
+              <a:t>‘</a:t>
+            </a:r>
+            <a:r>
+              <a:rPr lang="en-US" b="0" baseline="0" dirty="0" smtClean="0"/>
+              <a:t>chef generate cookbook’ creates a lighter-weight cook structure than ‘knife cookbook create’ </a:t>
+            </a:r>
+          </a:p>
+          <a:p>
+            <a:pPr marL="685800" marR="0" lvl="1" indent="-228600" algn="l" defTabSz="914400" rtl="0" eaLnBrk="1" fontAlgn="auto" latinLnBrk="0" hangingPunct="1">
+              <a:lnSpc>
+                <a:spcPct val="100000"/>
+              </a:lnSpc>
+              <a:spcBef>
+                <a:spcPts val="0"/>
+              </a:spcBef>
+              <a:spcAft>
+                <a:spcPts val="0"/>
+              </a:spcAft>
+              <a:buClrTx/>
+              <a:buSzTx/>
+              <a:buFont typeface="Arial"/>
+              <a:buChar char="•"/>
+              <a:tabLst/>
+              <a:defRPr/>
+            </a:pPr>
+            <a:r>
+              <a:rPr lang="en-US" b="0" baseline="0" dirty="0" smtClean="0"/>
+              <a:t>The command is ‘chef generate’</a:t>
+            </a:r>
+          </a:p>
+          <a:p>
+            <a:pPr marL="685800" marR="0" lvl="1" indent="-228600" algn="l" defTabSz="914400" rtl="0" eaLnBrk="1" fontAlgn="auto" latinLnBrk="0" hangingPunct="1">
+              <a:lnSpc>
+                <a:spcPct val="100000"/>
+              </a:lnSpc>
+              <a:spcBef>
+                <a:spcPts val="0"/>
+              </a:spcBef>
+              <a:spcAft>
+                <a:spcPts val="0"/>
+              </a:spcAft>
+              <a:buClrTx/>
+              <a:buSzTx/>
+              <a:buFont typeface="Arial"/>
+              <a:buChar char="•"/>
+              <a:tabLst/>
+              <a:defRPr/>
+            </a:pPr>
+            <a:r>
+              <a:rPr lang="en-US" b="0" baseline="0" dirty="0" smtClean="0"/>
               <a:t>The item to generate is ‘cookbook’</a:t>
+            </a:r>
+          </a:p>
+          <a:p>
+            <a:pPr marL="685800" marR="0" lvl="1" indent="-228600" algn="l" defTabSz="914400" rtl="0" eaLnBrk="1" fontAlgn="auto" latinLnBrk="0" hangingPunct="1">
+              <a:lnSpc>
+                <a:spcPct val="100000"/>
+              </a:lnSpc>
+              <a:spcBef>
+                <a:spcPts val="0"/>
+              </a:spcBef>
+              <a:spcAft>
+                <a:spcPts val="0"/>
+              </a:spcAft>
+              <a:buClrTx/>
+              <a:buSzTx/>
+              <a:buFont typeface="Arial"/>
+              <a:buChar char="•"/>
+              <a:tabLst/>
+              <a:defRPr/>
+            </a:pPr>
+            <a:r>
+              <a:rPr lang="en-US" b="0" baseline="0" dirty="0" smtClean="0"/>
+              <a:t>The path and name of the cookbook in this case is ‘cookbooks/apache’.  </a:t>
+            </a:r>
+            <a:endParaRPr lang="en-US" b="0" baseline="0" dirty="0" smtClean="0"/>
+          </a:p>
+          <a:p>
+            <a:pPr marL="685800" marR="0" lvl="1" indent="-228600" algn="l" defTabSz="914400" rtl="0" eaLnBrk="1" fontAlgn="auto" latinLnBrk="0" hangingPunct="1">
+              <a:lnSpc>
+                <a:spcPct val="100000"/>
+              </a:lnSpc>
+              <a:spcBef>
+                <a:spcPts val="0"/>
+              </a:spcBef>
+              <a:spcAft>
+                <a:spcPts val="0"/>
+              </a:spcAft>
+              <a:buClrTx/>
+              <a:buSzTx/>
+              <a:buFont typeface="Arial"/>
+              <a:buChar char="•"/>
+              <a:tabLst/>
+              <a:defRPr/>
+            </a:pPr>
+            <a:r>
+              <a:rPr lang="en-US" b="0" baseline="0" dirty="0" smtClean="0"/>
+              <a:t>This </a:t>
+            </a:r>
+            <a:r>
+              <a:rPr lang="en-US" b="0" baseline="0" dirty="0" smtClean="0"/>
+              <a:t>is assuming the command is run from the home directory and has access to the cookbooks directory.</a:t>
             </a:r>
           </a:p>
           <a:p>
@@ -1964,30 +2048,11 @@
             </a:pPr>
             <a:r>
               <a:rPr lang="en-US" b="0" baseline="0" dirty="0" smtClean="0"/>
-              <a:t>The path and name of the cookbook in this case is ‘cookbooks/apache’.  This is assuming the command is run from the home directory and has access to the cookbooks directory.</a:t>
-            </a:r>
-          </a:p>
-          <a:p>
-            <a:pPr marL="228600" marR="0" lvl="0" indent="-228600" algn="l" defTabSz="914400" rtl="0" eaLnBrk="1" fontAlgn="auto" latinLnBrk="0" hangingPunct="1">
-              <a:lnSpc>
-                <a:spcPct val="100000"/>
-              </a:lnSpc>
-              <a:spcBef>
-                <a:spcPts val="0"/>
-              </a:spcBef>
-              <a:spcAft>
-                <a:spcPts val="0"/>
-              </a:spcAft>
-              <a:buClrTx/>
-              <a:buSzTx/>
-              <a:buFont typeface="Arial"/>
-              <a:buChar char="•"/>
-              <a:tabLst/>
-              <a:defRPr/>
-            </a:pPr>
+              <a:t>Another example </a:t>
+            </a:r>
             <a:r>
               <a:rPr lang="en-US" b="0" baseline="0" dirty="0" smtClean="0"/>
-              <a:t>Other examples of chef generate;  </a:t>
+              <a:t>of chef generate;  </a:t>
             </a:r>
             <a:br>
               <a:rPr lang="en-US" b="0" baseline="0" dirty="0" smtClean="0"/>
@@ -2439,7 +2504,11 @@
             </a:pPr>
             <a:r>
               <a:rPr lang="en-US" b="0" dirty="0" smtClean="0"/>
-              <a:t>You could also</a:t>
+              <a:t>could </a:t>
+            </a:r>
+            <a:r>
+              <a:rPr lang="en-US" b="0" dirty="0" smtClean="0"/>
+              <a:t>also</a:t>
             </a:r>
             <a:r>
               <a:rPr lang="en-US" b="0" baseline="0" dirty="0" smtClean="0"/>
@@ -4767,11 +4836,11 @@
             </a:pPr>
             <a:r>
               <a:rPr lang="en-US" b="0" dirty="0" smtClean="0"/>
-              <a:t>We don’t actually ‘install’</a:t>
+              <a:t>IIS is not actually “installed”</a:t>
             </a:r>
             <a:r>
               <a:rPr lang="en-US" b="0" baseline="0" dirty="0" smtClean="0"/>
-              <a:t> IIS because IIS already exists within Windows.  We are really enabling it here.</a:t>
+              <a:t> because it already exists within Windows.  Here it is actually just being enabled.</a:t>
             </a:r>
           </a:p>
           <a:p>
@@ -4802,7 +4871,7 @@
             </a:r>
             <a:r>
               <a:rPr lang="en-US" b="0" baseline="0" dirty="0" smtClean="0"/>
-              <a:t> line does nothing other then add info to the log output.  It is the ‘code’ line that  actually installs IIS. This is the same </a:t>
+              <a:t> line does nothing other than add info to the log output.  It is the ‘code’ line that  actually installs IIS. This is the same </a:t>
             </a:r>
             <a:r>
               <a:rPr lang="en-US" b="0" baseline="0" dirty="0" err="1" smtClean="0"/>
@@ -4810,7 +4879,7 @@
             </a:r>
             <a:r>
               <a:rPr lang="en-US" b="0" baseline="0" dirty="0" smtClean="0"/>
-              <a:t> code you could enter into the </a:t>
+              <a:t> code entered on the </a:t>
             </a:r>
             <a:r>
               <a:rPr lang="en-US" b="0" baseline="0" dirty="0" err="1" smtClean="0"/>
@@ -4826,7 +4895,7 @@
             </a:r>
             <a:r>
               <a:rPr lang="en-US" b="0" baseline="0" dirty="0" smtClean="0"/>
-              <a:t> interpreter on your behalf.</a:t>
+              <a:t> interpreter on the user’s behalf.</a:t>
             </a:r>
           </a:p>
           <a:p>
@@ -4881,15 +4950,7 @@
             </a:r>
             <a:r>
               <a:rPr lang="en-US" b="0" baseline="0" dirty="0" smtClean="0"/>
-              <a:t> ever changes its behavior) as well as it demonstrates how to build </a:t>
-            </a:r>
-            <a:r>
-              <a:rPr lang="en-US" b="0" baseline="0" dirty="0" err="1" smtClean="0"/>
-              <a:t>idempotence</a:t>
-            </a:r>
-            <a:r>
-              <a:rPr lang="en-US" b="0" baseline="0" dirty="0" smtClean="0"/>
-              <a:t>.</a:t>
+              <a:t> ever changes its behavior).</a:t>
             </a:r>
           </a:p>
           <a:p>
@@ -4912,11 +4973,11 @@
             </a:pPr>
             <a:r>
               <a:rPr lang="en-US" b="0" baseline="0" dirty="0" smtClean="0"/>
-              <a:t>The default action is ‘run’.  You can actually leave this line out since in Chef resources all default actions can be left out.  We add it in here just for clarity.</a:t>
-            </a:r>
-          </a:p>
-          <a:p>
-            <a:pPr marL="171450" marR="0" lvl="0" indent="-171450" algn="l" defTabSz="914400" rtl="0" eaLnBrk="1" fontAlgn="auto" latinLnBrk="0" hangingPunct="1">
+              <a:t>The default action is ‘run’.  It is not necessary to include this as, in Chef resources, all default actions can be left out.  It is stated here for clarity.</a:t>
+            </a:r>
+          </a:p>
+          <a:p>
+            <a:pPr marL="0" marR="0" lvl="0" indent="0" algn="l" defTabSz="914400" rtl="0" eaLnBrk="1" fontAlgn="auto" latinLnBrk="0" hangingPunct="1">
               <a:lnSpc>
                 <a:spcPct val="100000"/>
               </a:lnSpc>
@@ -4929,7 +4990,7 @@
               <a:buClrTx/>
               <a:buSzTx/>
               <a:buFont typeface="Arial"/>
-              <a:buChar char="•"/>
+              <a:buNone/>
               <a:tabLst/>
               <a:defRPr/>
             </a:pPr>
@@ -6315,7 +6376,7 @@
               <a:buNone/>
             </a:pPr>
             <a:r>
-              <a:rPr lang="en-US" b="1" smtClean="0"/>
+              <a:rPr lang="en-US" b="1" dirty="0" smtClean="0"/>
               <a:t>Notes:</a:t>
             </a:r>
           </a:p>
@@ -7362,7 +7423,7 @@
             <a:fld id="{0459C166-16D3-4A25-A2F8-C51E0E346B22}" type="datetimeFigureOut">
               <a:rPr lang="en-US" smtClean="0"/>
               <a:pPr/>
-              <a:t>7/11/16</a:t>
+              <a:t>7/14/16</a:t>
             </a:fld>
             <a:endParaRPr lang="en-US"/>
           </a:p>
@@ -7532,7 +7593,7 @@
             <a:fld id="{0459C166-16D3-4A25-A2F8-C51E0E346B22}" type="datetimeFigureOut">
               <a:rPr lang="en-US" smtClean="0"/>
               <a:pPr/>
-              <a:t>7/11/16</a:t>
+              <a:t>7/14/16</a:t>
             </a:fld>
             <a:endParaRPr lang="en-US"/>
           </a:p>
@@ -7712,7 +7773,7 @@
             <a:fld id="{0459C166-16D3-4A25-A2F8-C51E0E346B22}" type="datetimeFigureOut">
               <a:rPr lang="en-US" smtClean="0"/>
               <a:pPr/>
-              <a:t>7/11/16</a:t>
+              <a:t>7/14/16</a:t>
             </a:fld>
             <a:endParaRPr lang="en-US"/>
           </a:p>
@@ -7929,7 +7990,7 @@
                 <a:latin typeface="Segoe UI"/>
               </a:rPr>
               <a:pPr/>
-              <a:t>7/11/16</a:t>
+              <a:t>7/14/16</a:t>
             </a:fld>
             <a:endParaRPr lang="en-US">
               <a:solidFill>
@@ -8134,7 +8195,7 @@
                 <a:latin typeface="Segoe UI"/>
               </a:rPr>
               <a:pPr/>
-              <a:t>7/11/16</a:t>
+              <a:t>7/14/16</a:t>
             </a:fld>
             <a:endParaRPr lang="en-US">
               <a:solidFill>
@@ -8432,7 +8493,7 @@
                 <a:latin typeface="Segoe UI"/>
               </a:rPr>
               <a:pPr/>
-              <a:t>7/11/16</a:t>
+              <a:t>7/14/16</a:t>
             </a:fld>
             <a:endParaRPr lang="en-US">
               <a:solidFill>
@@ -8776,7 +8837,7 @@
                 <a:latin typeface="Segoe UI"/>
               </a:rPr>
               <a:pPr/>
-              <a:t>7/11/16</a:t>
+              <a:t>7/14/16</a:t>
             </a:fld>
             <a:endParaRPr lang="en-US">
               <a:solidFill>
@@ -9151,7 +9212,7 @@
                 <a:latin typeface="Segoe UI"/>
               </a:rPr>
               <a:pPr/>
-              <a:t>7/11/16</a:t>
+              <a:t>7/14/16</a:t>
             </a:fld>
             <a:endParaRPr lang="en-US">
               <a:solidFill>
@@ -10027,7 +10088,7 @@
             <a:fld id="{0459C166-16D3-4A25-A2F8-C51E0E346B22}" type="datetimeFigureOut">
               <a:rPr lang="en-US" smtClean="0"/>
               <a:pPr/>
-              <a:t>7/11/16</a:t>
+              <a:t>7/14/16</a:t>
             </a:fld>
             <a:endParaRPr lang="en-US"/>
           </a:p>
@@ -10265,7 +10326,7 @@
                 <a:latin typeface="Segoe UI"/>
               </a:rPr>
               <a:pPr/>
-              <a:t>7/11/16</a:t>
+              <a:t>7/14/16</a:t>
             </a:fld>
             <a:endParaRPr lang="en-US">
               <a:solidFill>
@@ -10666,7 +10727,7 @@
                 <a:latin typeface="Segoe UI"/>
               </a:rPr>
               <a:pPr/>
-              <a:t>7/11/16</a:t>
+              <a:t>7/14/16</a:t>
             </a:fld>
             <a:endParaRPr lang="en-US">
               <a:solidFill>
@@ -10820,7 +10881,7 @@
                 <a:latin typeface="Segoe UI"/>
               </a:rPr>
               <a:pPr/>
-              <a:t>7/11/16</a:t>
+              <a:t>7/14/16</a:t>
             </a:fld>
             <a:endParaRPr lang="en-US">
               <a:solidFill>
@@ -10952,7 +11013,7 @@
                 <a:latin typeface="Segoe UI"/>
               </a:rPr>
               <a:pPr/>
-              <a:t>7/11/16</a:t>
+              <a:t>7/14/16</a:t>
             </a:fld>
             <a:endParaRPr lang="en-US">
               <a:solidFill>
@@ -11264,7 +11325,7 @@
                 <a:latin typeface="Segoe UI"/>
               </a:rPr>
               <a:pPr/>
-              <a:t>7/11/16</a:t>
+              <a:t>7/14/16</a:t>
             </a:fld>
             <a:endParaRPr lang="en-US">
               <a:solidFill>
@@ -11553,7 +11614,7 @@
                 <a:latin typeface="Segoe UI"/>
               </a:rPr>
               <a:pPr/>
-              <a:t>7/11/16</a:t>
+              <a:t>7/14/16</a:t>
             </a:fld>
             <a:endParaRPr lang="en-US">
               <a:solidFill>
@@ -11758,7 +11819,7 @@
                 <a:latin typeface="Segoe UI"/>
               </a:rPr>
               <a:pPr/>
-              <a:t>7/11/16</a:t>
+              <a:t>7/14/16</a:t>
             </a:fld>
             <a:endParaRPr lang="en-US">
               <a:solidFill>
@@ -11973,7 +12034,7 @@
                 <a:latin typeface="Segoe UI"/>
               </a:rPr>
               <a:pPr/>
-              <a:t>7/11/16</a:t>
+              <a:t>7/14/16</a:t>
             </a:fld>
             <a:endParaRPr lang="en-US">
               <a:solidFill>
@@ -12268,7 +12329,7 @@
             <a:fld id="{0459C166-16D3-4A25-A2F8-C51E0E346B22}" type="datetimeFigureOut">
               <a:rPr lang="en-US" smtClean="0"/>
               <a:pPr/>
-              <a:t>7/11/16</a:t>
+              <a:t>7/14/16</a:t>
             </a:fld>
             <a:endParaRPr lang="en-US"/>
           </a:p>
@@ -12515,7 +12576,7 @@
             <a:fld id="{0459C166-16D3-4A25-A2F8-C51E0E346B22}" type="datetimeFigureOut">
               <a:rPr lang="en-US" smtClean="0"/>
               <a:pPr/>
-              <a:t>7/11/16</a:t>
+              <a:t>7/14/16</a:t>
             </a:fld>
             <a:endParaRPr lang="en-US"/>
           </a:p>
@@ -12881,7 +12942,7 @@
             <a:fld id="{0459C166-16D3-4A25-A2F8-C51E0E346B22}" type="datetimeFigureOut">
               <a:rPr lang="en-US" smtClean="0"/>
               <a:pPr/>
-              <a:t>7/11/16</a:t>
+              <a:t>7/14/16</a:t>
             </a:fld>
             <a:endParaRPr lang="en-US"/>
           </a:p>
@@ -13000,7 +13061,7 @@
             <a:fld id="{0459C166-16D3-4A25-A2F8-C51E0E346B22}" type="datetimeFigureOut">
               <a:rPr lang="en-US" smtClean="0"/>
               <a:pPr/>
-              <a:t>7/11/16</a:t>
+              <a:t>7/14/16</a:t>
             </a:fld>
             <a:endParaRPr lang="en-US"/>
           </a:p>
@@ -13097,7 +13158,7 @@
             <a:fld id="{0459C166-16D3-4A25-A2F8-C51E0E346B22}" type="datetimeFigureOut">
               <a:rPr lang="en-US" smtClean="0"/>
               <a:pPr/>
-              <a:t>7/11/16</a:t>
+              <a:t>7/14/16</a:t>
             </a:fld>
             <a:endParaRPr lang="en-US"/>
           </a:p>
@@ -13374,7 +13435,7 @@
             <a:fld id="{0459C166-16D3-4A25-A2F8-C51E0E346B22}" type="datetimeFigureOut">
               <a:rPr lang="en-US" smtClean="0"/>
               <a:pPr/>
-              <a:t>7/11/16</a:t>
+              <a:t>7/14/16</a:t>
             </a:fld>
             <a:endParaRPr lang="en-US"/>
           </a:p>
@@ -13628,7 +13689,7 @@
             <a:fld id="{0459C166-16D3-4A25-A2F8-C51E0E346B22}" type="datetimeFigureOut">
               <a:rPr lang="en-US" smtClean="0"/>
               <a:pPr/>
-              <a:t>7/11/16</a:t>
+              <a:t>7/14/16</a:t>
             </a:fld>
             <a:endParaRPr lang="en-US"/>
           </a:p>
@@ -13841,7 +13902,7 @@
             <a:fld id="{0459C166-16D3-4A25-A2F8-C51E0E346B22}" type="datetimeFigureOut">
               <a:rPr lang="en-US" smtClean="0"/>
               <a:pPr/>
-              <a:t>7/11/16</a:t>
+              <a:t>7/14/16</a:t>
             </a:fld>
             <a:endParaRPr lang="en-US"/>
           </a:p>
@@ -14388,7 +14449,7 @@
                 <a:latin typeface="Segoe UI"/>
               </a:rPr>
               <a:pPr/>
-              <a:t>7/11/16</a:t>
+              <a:t>7/14/16</a:t>
             </a:fld>
             <a:endParaRPr lang="en-US">
               <a:solidFill>
@@ -18899,12 +18960,47 @@
               <a:buChar char="§"/>
             </a:pPr>
             <a:r>
+              <a:rPr lang="en-US" sz="2800" dirty="0">
+                <a:solidFill>
+                  <a:srgbClr val="000000"/>
+                </a:solidFill>
+              </a:rPr>
+              <a:t>The chef-client application requires a </a:t>
+            </a:r>
+            <a:r>
               <a:rPr lang="en-US" sz="2800" dirty="0" smtClean="0">
                 <a:solidFill>
                   <a:srgbClr val="000000"/>
                 </a:solidFill>
               </a:rPr>
-              <a:t>This is where cookbooks will be stored</a:t>
+              <a:t>this directory </a:t>
+            </a:r>
+            <a:endParaRPr lang="en-US" sz="2800" dirty="0">
+              <a:solidFill>
+                <a:srgbClr val="000000"/>
+              </a:solidFill>
+            </a:endParaRPr>
+          </a:p>
+          <a:p>
+            <a:pPr marL="1022350" lvl="1" indent="-334963">
+              <a:buFont typeface="Wingdings" charset="2"/>
+              <a:buChar char="§"/>
+            </a:pPr>
+            <a:r>
+              <a:rPr lang="en-US" sz="2800" dirty="0" smtClean="0">
+                <a:solidFill>
+                  <a:srgbClr val="000000"/>
+                </a:solidFill>
+              </a:rPr>
+              <a:t>This </a:t>
+            </a:r>
+            <a:r>
+              <a:rPr lang="en-US" sz="2800" dirty="0" smtClean="0">
+                <a:solidFill>
+                  <a:srgbClr val="000000"/>
+                </a:solidFill>
+              </a:rPr>
+              <a:t>is where cookbooks will be stored</a:t>
             </a:r>
           </a:p>
           <a:p>
@@ -19878,64 +19974,80 @@
               </a:rPr>
             </a:br>
             <a:r>
-              <a:rPr lang="en-US" sz="2800" dirty="0" smtClean="0">
+              <a:rPr lang="en-US" sz="2400" dirty="0" smtClean="0">
                 <a:solidFill>
                   <a:srgbClr val="000000"/>
                 </a:solidFill>
+                <a:latin typeface="Lucida Console"/>
+                <a:cs typeface="Lucida Console"/>
               </a:rPr>
               <a:t>package  ‘</a:t>
             </a:r>
             <a:r>
-              <a:rPr lang="en-US" sz="2800" dirty="0" err="1" smtClean="0">
+              <a:rPr lang="en-US" sz="2400" dirty="0" err="1" smtClean="0">
                 <a:solidFill>
                   <a:srgbClr val="000000"/>
                 </a:solidFill>
+                <a:latin typeface="Lucida Console"/>
+                <a:cs typeface="Lucida Console"/>
               </a:rPr>
               <a:t>httpd</a:t>
             </a:r>
             <a:r>
-              <a:rPr lang="en-US" sz="2800" dirty="0" smtClean="0">
+              <a:rPr lang="en-US" sz="2400" dirty="0" smtClean="0">
                 <a:solidFill>
                   <a:srgbClr val="000000"/>
                 </a:solidFill>
+                <a:latin typeface="Lucida Console"/>
+                <a:cs typeface="Lucida Console"/>
               </a:rPr>
               <a:t>’  do</a:t>
             </a:r>
             <a:br>
-              <a:rPr lang="en-US" sz="2800" dirty="0" smtClean="0">
+              <a:rPr lang="en-US" sz="2400" dirty="0" smtClean="0">
                 <a:solidFill>
                   <a:srgbClr val="000000"/>
                 </a:solidFill>
+                <a:latin typeface="Lucida Console"/>
+                <a:cs typeface="Lucida Console"/>
               </a:rPr>
             </a:br>
             <a:r>
-              <a:rPr lang="en-US" sz="2800" dirty="0" smtClean="0">
+              <a:rPr lang="en-US" sz="2400" dirty="0" smtClean="0">
                 <a:solidFill>
                   <a:srgbClr val="000000"/>
                 </a:solidFill>
+                <a:latin typeface="Lucida Console"/>
+                <a:cs typeface="Lucida Console"/>
               </a:rPr>
               <a:t>    action :install</a:t>
             </a:r>
             <a:r>
-              <a:rPr lang="en-US" sz="2800" dirty="0">
+              <a:rPr lang="en-US" sz="2400" dirty="0">
                 <a:solidFill>
                   <a:srgbClr val="000000"/>
                 </a:solidFill>
+                <a:latin typeface="Lucida Console"/>
+                <a:cs typeface="Lucida Console"/>
               </a:rPr>
               <a:t/>
             </a:r>
             <a:br>
-              <a:rPr lang="en-US" sz="2800" dirty="0">
+              <a:rPr lang="en-US" sz="2400" dirty="0">
                 <a:solidFill>
                   <a:srgbClr val="000000"/>
                 </a:solidFill>
+                <a:latin typeface="Lucida Console"/>
+                <a:cs typeface="Lucida Console"/>
               </a:rPr>
             </a:br>
             <a:r>
-              <a:rPr lang="en-US" sz="2800" dirty="0" smtClean="0">
+              <a:rPr lang="en-US" sz="2400" dirty="0" smtClean="0">
                 <a:solidFill>
                   <a:srgbClr val="000000"/>
                 </a:solidFill>
+                <a:latin typeface="Lucida Console"/>
+                <a:cs typeface="Lucida Console"/>
               </a:rPr>
               <a:t>end</a:t>
             </a:r>
@@ -20899,95 +21011,119 @@
               </a:rPr>
             </a:br>
             <a:r>
-              <a:rPr lang="en-US" sz="2800" dirty="0" smtClean="0">
+              <a:rPr lang="en-US" sz="2000" dirty="0" smtClean="0">
                 <a:solidFill>
                   <a:srgbClr val="000000"/>
                 </a:solidFill>
+                <a:latin typeface="Lucida Console"/>
+                <a:cs typeface="Lucida Console"/>
               </a:rPr>
               <a:t>file ‘/</a:t>
             </a:r>
             <a:r>
-              <a:rPr lang="en-US" sz="2800" dirty="0" err="1" smtClean="0">
+              <a:rPr lang="en-US" sz="2000" dirty="0" err="1" smtClean="0">
                 <a:solidFill>
                   <a:srgbClr val="000000"/>
                 </a:solidFill>
+                <a:latin typeface="Lucida Console"/>
+                <a:cs typeface="Lucida Console"/>
               </a:rPr>
               <a:t>var</a:t>
             </a:r>
             <a:r>
-              <a:rPr lang="en-US" sz="2800" dirty="0" smtClean="0">
+              <a:rPr lang="en-US" sz="2000" dirty="0" smtClean="0">
                 <a:solidFill>
                   <a:srgbClr val="000000"/>
                 </a:solidFill>
+                <a:latin typeface="Lucida Console"/>
+                <a:cs typeface="Lucida Console"/>
               </a:rPr>
               <a:t>/www/html/</a:t>
             </a:r>
             <a:r>
-              <a:rPr lang="en-US" sz="2800" dirty="0" err="1" smtClean="0">
+              <a:rPr lang="en-US" sz="2000" dirty="0" err="1" smtClean="0">
                 <a:solidFill>
                   <a:srgbClr val="000000"/>
                 </a:solidFill>
+                <a:latin typeface="Lucida Console"/>
+                <a:cs typeface="Lucida Console"/>
               </a:rPr>
               <a:t>index.html</a:t>
             </a:r>
             <a:r>
-              <a:rPr lang="en-US" sz="2800" dirty="0" smtClean="0">
+              <a:rPr lang="en-US" sz="2000" dirty="0" smtClean="0">
                 <a:solidFill>
                   <a:srgbClr val="000000"/>
                 </a:solidFill>
+                <a:latin typeface="Lucida Console"/>
+                <a:cs typeface="Lucida Console"/>
               </a:rPr>
               <a:t>’  do</a:t>
             </a:r>
             <a:br>
-              <a:rPr lang="en-US" sz="2800" dirty="0" smtClean="0">
+              <a:rPr lang="en-US" sz="2000" dirty="0" smtClean="0">
                 <a:solidFill>
                   <a:srgbClr val="000000"/>
                 </a:solidFill>
+                <a:latin typeface="Lucida Console"/>
+                <a:cs typeface="Lucida Console"/>
               </a:rPr>
             </a:br>
             <a:r>
-              <a:rPr lang="en-US" sz="2800" dirty="0" smtClean="0">
+              <a:rPr lang="en-US" sz="2000" dirty="0" smtClean="0">
                 <a:solidFill>
                   <a:srgbClr val="000000"/>
                 </a:solidFill>
+                <a:latin typeface="Lucida Console"/>
+                <a:cs typeface="Lucida Console"/>
               </a:rPr>
               <a:t>    content  ‘&lt;h1&gt;Hello World&lt;/h1&gt;’</a:t>
             </a:r>
             <a:br>
-              <a:rPr lang="en-US" sz="2800" dirty="0" smtClean="0">
+              <a:rPr lang="en-US" sz="2000" dirty="0" smtClean="0">
                 <a:solidFill>
                   <a:srgbClr val="000000"/>
                 </a:solidFill>
+                <a:latin typeface="Lucida Console"/>
+                <a:cs typeface="Lucida Console"/>
               </a:rPr>
             </a:br>
             <a:r>
-              <a:rPr lang="en-US" sz="2800" dirty="0" smtClean="0">
+              <a:rPr lang="en-US" sz="2000" dirty="0" smtClean="0">
                 <a:solidFill>
                   <a:srgbClr val="000000"/>
                 </a:solidFill>
+                <a:latin typeface="Lucida Console"/>
+                <a:cs typeface="Lucida Console"/>
               </a:rPr>
               <a:t>    action  :create</a:t>
             </a:r>
             <a:r>
-              <a:rPr lang="en-US" sz="2800" dirty="0">
+              <a:rPr lang="en-US" sz="2000" dirty="0">
                 <a:solidFill>
                   <a:srgbClr val="000000"/>
                 </a:solidFill>
+                <a:latin typeface="Lucida Console"/>
+                <a:cs typeface="Lucida Console"/>
               </a:rPr>
               <a:t/>
             </a:r>
             <a:br>
-              <a:rPr lang="en-US" sz="2800" dirty="0">
+              <a:rPr lang="en-US" sz="2000" dirty="0">
                 <a:solidFill>
                   <a:srgbClr val="000000"/>
                 </a:solidFill>
+                <a:latin typeface="Lucida Console"/>
+                <a:cs typeface="Lucida Console"/>
               </a:rPr>
             </a:br>
             <a:r>
-              <a:rPr lang="en-US" sz="2800" dirty="0" smtClean="0">
+              <a:rPr lang="en-US" sz="2000" dirty="0" smtClean="0">
                 <a:solidFill>
                   <a:srgbClr val="000000"/>
                 </a:solidFill>
+                <a:latin typeface="Lucida Console"/>
+                <a:cs typeface="Lucida Console"/>
               </a:rPr>
               <a:t>end</a:t>
             </a:r>
@@ -21486,65 +21622,99 @@
                 </a:solidFill>
               </a:rPr>
             </a:br>
-            <a:r>
-              <a:rPr lang="en-US" sz="2800" dirty="0" smtClean="0">
+            <a:endParaRPr lang="en-US" sz="2800" dirty="0" smtClean="0">
+              <a:solidFill>
+                <a:srgbClr val="000000"/>
+              </a:solidFill>
+            </a:endParaRPr>
+          </a:p>
+          <a:p>
+            <a:pPr marL="1020763" lvl="1"/>
+            <a:r>
+              <a:rPr lang="en-US" sz="2000" dirty="0" smtClean="0">
                 <a:solidFill>
                   <a:srgbClr val="000000"/>
                 </a:solidFill>
+                <a:latin typeface="Lucida Console"/>
+                <a:cs typeface="Lucida Console"/>
               </a:rPr>
-              <a:t>service ‘</a:t>
-            </a:r>
-            <a:r>
-              <a:rPr lang="en-US" sz="2800" dirty="0" err="1" smtClean="0">
+              <a:t>service </a:t>
+            </a:r>
+            <a:r>
+              <a:rPr lang="en-US" sz="2000" dirty="0" smtClean="0">
                 <a:solidFill>
                   <a:srgbClr val="000000"/>
                 </a:solidFill>
+                <a:latin typeface="Lucida Console"/>
+                <a:cs typeface="Lucida Console"/>
+              </a:rPr>
+              <a:t>‘</a:t>
+            </a:r>
+            <a:r>
+              <a:rPr lang="en-US" sz="2000" dirty="0" err="1" smtClean="0">
+                <a:solidFill>
+                  <a:srgbClr val="000000"/>
+                </a:solidFill>
+                <a:latin typeface="Lucida Console"/>
+                <a:cs typeface="Lucida Console"/>
               </a:rPr>
               <a:t>httpd</a:t>
             </a:r>
             <a:r>
-              <a:rPr lang="en-US" sz="2800" dirty="0" smtClean="0">
+              <a:rPr lang="en-US" sz="2000" dirty="0" smtClean="0">
                 <a:solidFill>
                   <a:srgbClr val="000000"/>
                 </a:solidFill>
+                <a:latin typeface="Lucida Console"/>
+                <a:cs typeface="Lucida Console"/>
               </a:rPr>
               <a:t>’  do</a:t>
             </a:r>
             <a:br>
-              <a:rPr lang="en-US" sz="2800" dirty="0" smtClean="0">
+              <a:rPr lang="en-US" sz="2000" dirty="0" smtClean="0">
                 <a:solidFill>
                   <a:srgbClr val="000000"/>
                 </a:solidFill>
+                <a:latin typeface="Lucida Console"/>
+                <a:cs typeface="Lucida Console"/>
               </a:rPr>
             </a:br>
             <a:r>
-              <a:rPr lang="en-US" sz="2800" dirty="0" smtClean="0">
+              <a:rPr lang="en-US" sz="2000" dirty="0" smtClean="0">
                 <a:solidFill>
                   <a:srgbClr val="000000"/>
                 </a:solidFill>
+                <a:latin typeface="Lucida Console"/>
+                <a:cs typeface="Lucida Console"/>
               </a:rPr>
               <a:t>    action  [:enable, :start] </a:t>
             </a:r>
             <a:r>
-              <a:rPr lang="en-US" sz="2800" dirty="0">
+              <a:rPr lang="en-US" sz="2000" dirty="0">
                 <a:solidFill>
                   <a:srgbClr val="000000"/>
                 </a:solidFill>
+                <a:latin typeface="Lucida Console"/>
+                <a:cs typeface="Lucida Console"/>
               </a:rPr>
               <a:t/>
             </a:r>
             <a:br>
-              <a:rPr lang="en-US" sz="2800" dirty="0">
+              <a:rPr lang="en-US" sz="2000" dirty="0">
                 <a:solidFill>
                   <a:srgbClr val="000000"/>
                 </a:solidFill>
+                <a:latin typeface="Lucida Console"/>
+                <a:cs typeface="Lucida Console"/>
               </a:rPr>
             </a:br>
             <a:r>
-              <a:rPr lang="en-US" sz="2800" dirty="0" smtClean="0">
+              <a:rPr lang="en-US" sz="2000" dirty="0" smtClean="0">
                 <a:solidFill>
                   <a:srgbClr val="000000"/>
                 </a:solidFill>
+                <a:latin typeface="Lucida Console"/>
+                <a:cs typeface="Lucida Console"/>
               </a:rPr>
               <a:t>end</a:t>
             </a:r>
@@ -34986,7 +35156,7 @@
   <a:extraClrSchemeLst/>
   <a:extLst>
     <a:ext uri="{05A4C25C-085E-4340-85A3-A5531E510DB2}">
-      <thm15:themeFamily xmlns:thm15="http://schemas.microsoft.com/office/thememl/2012/main" xmlns="" name="Office Theme" id="{62F939B6-93AF-4DB8-9C6B-D6C7DFDC589F}" vid="{4A3C46E8-61CC-4603-A589-7422A47A8E4A}"/>
+      <thm15:themeFamily xmlns="" xmlns:thm15="http://schemas.microsoft.com/office/thememl/2012/main" name="Office Theme" id="{62F939B6-93AF-4DB8-9C6B-D6C7DFDC589F}" vid="{4A3C46E8-61CC-4603-A589-7422A47A8E4A}"/>
     </a:ext>
   </a:extLst>
 </a:theme>
@@ -35255,7 +35425,7 @@
   <a:extraClrSchemeLst/>
   <a:extLst>
     <a:ext uri="{05A4C25C-085E-4340-85A3-A5531E510DB2}">
-      <thm15:themeFamily xmlns:thm15="http://schemas.microsoft.com/office/thememl/2012/main" xmlns="" name="Office Theme" id="{62F939B6-93AF-4DB8-9C6B-D6C7DFDC589F}" vid="{4A3C46E8-61CC-4603-A589-7422A47A8E4A}"/>
+      <thm15:themeFamily xmlns="" xmlns:thm15="http://schemas.microsoft.com/office/thememl/2012/main" name="Office Theme" id="{62F939B6-93AF-4DB8-9C6B-D6C7DFDC589F}" vid="{4A3C46E8-61CC-4603-A589-7422A47A8E4A}"/>
     </a:ext>
   </a:extLst>
 </a:theme>
@@ -35550,7 +35720,7 @@
   <a:extraClrSchemeLst/>
   <a:extLst>
     <a:ext uri="{05A4C25C-085E-4340-85A3-A5531E510DB2}">
-      <thm15:themeFamily xmlns:thm15="http://schemas.microsoft.com/office/thememl/2012/main" xmlns="" name="Office Theme" id="{62F939B6-93AF-4DB8-9C6B-D6C7DFDC589F}" vid="{4A3C46E8-61CC-4603-A589-7422A47A8E4A}"/>
+      <thm15:themeFamily xmlns="" xmlns:thm15="http://schemas.microsoft.com/office/thememl/2012/main" name="Office Theme" id="{62F939B6-93AF-4DB8-9C6B-D6C7DFDC589F}" vid="{4A3C46E8-61CC-4603-A589-7422A47A8E4A}"/>
     </a:ext>
   </a:extLst>
 </a:theme>

--- a/Complimentary Course Content/Module7/Lessons/Module7_Lesson4 Launching A Web server With Chef.pptx
+++ b/Complimentary Course Content/Module7/Lessons/Module7_Lesson4 Launching A Web server With Chef.pptx
@@ -150,7 +150,7 @@
   </p:defaultTextStyle>
   <p:extLst>
     <p:ext uri="{EFAFB233-063F-42B5-8137-9DF3F51BA10A}">
-      <p15:sldGuideLst xmlns="" xmlns:p15="http://schemas.microsoft.com/office/powerpoint/2012/main">
+      <p15:sldGuideLst xmlns:p15="http://schemas.microsoft.com/office/powerpoint/2012/main" xmlns="">
         <p15:guide id="1" orient="horz" pos="2184" userDrawn="1">
           <p15:clr>
             <a:srgbClr val="A4A3A4"/>
@@ -271,7 +271,7 @@
             <a:fld id="{49B60EF2-7028-489F-85D8-FE86CD7CF2A0}" type="datetimeFigureOut">
               <a:rPr lang="en-US" smtClean="0"/>
               <a:pPr/>
-              <a:t>7/14/16</a:t>
+              <a:t>7/25/16</a:t>
             </a:fld>
             <a:endParaRPr lang="en-US"/>
           </a:p>
@@ -1463,11 +1463,7 @@
             </a:pPr>
             <a:r>
               <a:rPr lang="en-US" baseline="0" dirty="0" smtClean="0"/>
-              <a:t>Due </a:t>
-            </a:r>
-            <a:r>
-              <a:rPr lang="en-US" baseline="0" dirty="0" smtClean="0"/>
-              <a:t>to </a:t>
+              <a:t>Due to </a:t>
             </a:r>
             <a:r>
               <a:rPr lang="en-US" baseline="0" dirty="0" err="1" smtClean="0"/>
@@ -1858,7 +1854,6 @@
               <a:rPr lang="en-US" b="0" baseline="0" dirty="0" smtClean="0"/>
               <a:t> generate cookbook’ command creates cookbooks.  </a:t>
             </a:r>
-            <a:endParaRPr lang="en-US" b="0" baseline="0" dirty="0" smtClean="0"/>
           </a:p>
           <a:p>
             <a:pPr marL="228600" marR="0" lvl="0" indent="-228600" algn="l" defTabSz="914400" rtl="0" eaLnBrk="1" fontAlgn="auto" latinLnBrk="0" hangingPunct="1">
@@ -1880,11 +1875,7 @@
             </a:pPr>
             <a:r>
               <a:rPr lang="en-US" b="0" baseline="0" dirty="0" smtClean="0"/>
-              <a:t>Cookbooks </a:t>
-            </a:r>
-            <a:r>
-              <a:rPr lang="en-US" b="0" baseline="0" dirty="0" smtClean="0"/>
-              <a:t>can also be created manually (by creating the directories) or with the ‘knife cookbook create &lt;</a:t>
+              <a:t>Cookbooks can also be created manually (by creating the directories) or with the ‘knife cookbook create &lt;</a:t>
             </a:r>
             <a:r>
               <a:rPr lang="en-US" b="0" baseline="0" dirty="0" err="1" smtClean="0"/>
@@ -1892,17 +1883,8 @@
             </a:r>
             <a:r>
               <a:rPr lang="en-US" b="0" baseline="0" dirty="0" smtClean="0"/>
-              <a:t>&gt;’ command as </a:t>
-            </a:r>
-            <a:r>
-              <a:rPr lang="en-US" b="0" baseline="0" dirty="0" smtClean="0"/>
-              <a:t>well</a:t>
-            </a:r>
-            <a:r>
-              <a:rPr lang="en-US" b="0" baseline="0" dirty="0" smtClean="0"/>
-              <a:t>.  </a:t>
-            </a:r>
-            <a:endParaRPr lang="en-US" b="0" baseline="0" dirty="0" smtClean="0"/>
+              <a:t>&gt;’ command as well.  </a:t>
+            </a:r>
           </a:p>
           <a:p>
             <a:pPr marL="228600" marR="0" lvl="0" indent="-228600" algn="l" defTabSz="914400" rtl="0" eaLnBrk="1" fontAlgn="auto" latinLnBrk="0" hangingPunct="1">
@@ -1924,11 +1906,7 @@
             </a:pPr>
             <a:r>
               <a:rPr lang="en-US" b="0" baseline="0" dirty="0" smtClean="0"/>
-              <a:t>‘</a:t>
-            </a:r>
-            <a:r>
-              <a:rPr lang="en-US" b="0" baseline="0" dirty="0" smtClean="0"/>
-              <a:t>chef generate cookbook’ creates a lighter-weight cook structure than ‘knife cookbook create’ </a:t>
+              <a:t>‘chef generate cookbook’ creates a lighter-weight cook structure than ‘knife cookbook create’ </a:t>
             </a:r>
           </a:p>
           <a:p>
@@ -1999,7 +1977,6 @@
               <a:rPr lang="en-US" b="0" baseline="0" dirty="0" smtClean="0"/>
               <a:t>The path and name of the cookbook in this case is ‘cookbooks/apache’.  </a:t>
             </a:r>
-            <a:endParaRPr lang="en-US" b="0" baseline="0" dirty="0" smtClean="0"/>
           </a:p>
           <a:p>
             <a:pPr marL="685800" marR="0" lvl="1" indent="-228600" algn="l" defTabSz="914400" rtl="0" eaLnBrk="1" fontAlgn="auto" latinLnBrk="0" hangingPunct="1">
@@ -2021,11 +1998,7 @@
             </a:pPr>
             <a:r>
               <a:rPr lang="en-US" b="0" baseline="0" dirty="0" smtClean="0"/>
-              <a:t>This </a:t>
-            </a:r>
-            <a:r>
-              <a:rPr lang="en-US" b="0" baseline="0" dirty="0" smtClean="0"/>
-              <a:t>is assuming the command is run from the home directory and has access to the cookbooks directory.</a:t>
+              <a:t>This is assuming the command is run from the home directory and has access to the cookbooks directory.</a:t>
             </a:r>
           </a:p>
           <a:p>
@@ -2048,11 +2021,7 @@
             </a:pPr>
             <a:r>
               <a:rPr lang="en-US" b="0" baseline="0" dirty="0" smtClean="0"/>
-              <a:t>Another example </a:t>
-            </a:r>
-            <a:r>
-              <a:rPr lang="en-US" b="0" baseline="0" dirty="0" smtClean="0"/>
-              <a:t>of chef generate;  </a:t>
+              <a:t>Another example of chef generate;  </a:t>
             </a:r>
             <a:br>
               <a:rPr lang="en-US" b="0" baseline="0" dirty="0" smtClean="0"/>
@@ -2504,11 +2473,7 @@
             </a:pPr>
             <a:r>
               <a:rPr lang="en-US" b="0" dirty="0" smtClean="0"/>
-              <a:t>could </a:t>
-            </a:r>
-            <a:r>
-              <a:rPr lang="en-US" b="0" dirty="0" smtClean="0"/>
-              <a:t>also</a:t>
+              <a:t>could also</a:t>
             </a:r>
             <a:r>
               <a:rPr lang="en-US" b="0" baseline="0" dirty="0" smtClean="0"/>
@@ -7423,7 +7388,7 @@
             <a:fld id="{0459C166-16D3-4A25-A2F8-C51E0E346B22}" type="datetimeFigureOut">
               <a:rPr lang="en-US" smtClean="0"/>
               <a:pPr/>
-              <a:t>7/14/16</a:t>
+              <a:t>7/25/16</a:t>
             </a:fld>
             <a:endParaRPr lang="en-US"/>
           </a:p>
@@ -7593,7 +7558,7 @@
             <a:fld id="{0459C166-16D3-4A25-A2F8-C51E0E346B22}" type="datetimeFigureOut">
               <a:rPr lang="en-US" smtClean="0"/>
               <a:pPr/>
-              <a:t>7/14/16</a:t>
+              <a:t>7/25/16</a:t>
             </a:fld>
             <a:endParaRPr lang="en-US"/>
           </a:p>
@@ -7773,7 +7738,7 @@
             <a:fld id="{0459C166-16D3-4A25-A2F8-C51E0E346B22}" type="datetimeFigureOut">
               <a:rPr lang="en-US" smtClean="0"/>
               <a:pPr/>
-              <a:t>7/14/16</a:t>
+              <a:t>7/25/16</a:t>
             </a:fld>
             <a:endParaRPr lang="en-US"/>
           </a:p>
@@ -7990,7 +7955,7 @@
                 <a:latin typeface="Segoe UI"/>
               </a:rPr>
               <a:pPr/>
-              <a:t>7/14/16</a:t>
+              <a:t>7/25/16</a:t>
             </a:fld>
             <a:endParaRPr lang="en-US">
               <a:solidFill>
@@ -8195,7 +8160,7 @@
                 <a:latin typeface="Segoe UI"/>
               </a:rPr>
               <a:pPr/>
-              <a:t>7/14/16</a:t>
+              <a:t>7/25/16</a:t>
             </a:fld>
             <a:endParaRPr lang="en-US">
               <a:solidFill>
@@ -8493,7 +8458,7 @@
                 <a:latin typeface="Segoe UI"/>
               </a:rPr>
               <a:pPr/>
-              <a:t>7/14/16</a:t>
+              <a:t>7/25/16</a:t>
             </a:fld>
             <a:endParaRPr lang="en-US">
               <a:solidFill>
@@ -8837,7 +8802,7 @@
                 <a:latin typeface="Segoe UI"/>
               </a:rPr>
               <a:pPr/>
-              <a:t>7/14/16</a:t>
+              <a:t>7/25/16</a:t>
             </a:fld>
             <a:endParaRPr lang="en-US">
               <a:solidFill>
@@ -9212,7 +9177,7 @@
                 <a:latin typeface="Segoe UI"/>
               </a:rPr>
               <a:pPr/>
-              <a:t>7/14/16</a:t>
+              <a:t>7/25/16</a:t>
             </a:fld>
             <a:endParaRPr lang="en-US">
               <a:solidFill>
@@ -10088,7 +10053,7 @@
             <a:fld id="{0459C166-16D3-4A25-A2F8-C51E0E346B22}" type="datetimeFigureOut">
               <a:rPr lang="en-US" smtClean="0"/>
               <a:pPr/>
-              <a:t>7/14/16</a:t>
+              <a:t>7/25/16</a:t>
             </a:fld>
             <a:endParaRPr lang="en-US"/>
           </a:p>
@@ -10326,7 +10291,7 @@
                 <a:latin typeface="Segoe UI"/>
               </a:rPr>
               <a:pPr/>
-              <a:t>7/14/16</a:t>
+              <a:t>7/25/16</a:t>
             </a:fld>
             <a:endParaRPr lang="en-US">
               <a:solidFill>
@@ -10727,7 +10692,7 @@
                 <a:latin typeface="Segoe UI"/>
               </a:rPr>
               <a:pPr/>
-              <a:t>7/14/16</a:t>
+              <a:t>7/25/16</a:t>
             </a:fld>
             <a:endParaRPr lang="en-US">
               <a:solidFill>
@@ -10881,7 +10846,7 @@
                 <a:latin typeface="Segoe UI"/>
               </a:rPr>
               <a:pPr/>
-              <a:t>7/14/16</a:t>
+              <a:t>7/25/16</a:t>
             </a:fld>
             <a:endParaRPr lang="en-US">
               <a:solidFill>
@@ -11013,7 +10978,7 @@
                 <a:latin typeface="Segoe UI"/>
               </a:rPr>
               <a:pPr/>
-              <a:t>7/14/16</a:t>
+              <a:t>7/25/16</a:t>
             </a:fld>
             <a:endParaRPr lang="en-US">
               <a:solidFill>
@@ -11325,7 +11290,7 @@
                 <a:latin typeface="Segoe UI"/>
               </a:rPr>
               <a:pPr/>
-              <a:t>7/14/16</a:t>
+              <a:t>7/25/16</a:t>
             </a:fld>
             <a:endParaRPr lang="en-US">
               <a:solidFill>
@@ -11614,7 +11579,7 @@
                 <a:latin typeface="Segoe UI"/>
               </a:rPr>
               <a:pPr/>
-              <a:t>7/14/16</a:t>
+              <a:t>7/25/16</a:t>
             </a:fld>
             <a:endParaRPr lang="en-US">
               <a:solidFill>
@@ -11819,7 +11784,7 @@
                 <a:latin typeface="Segoe UI"/>
               </a:rPr>
               <a:pPr/>
-              <a:t>7/14/16</a:t>
+              <a:t>7/25/16</a:t>
             </a:fld>
             <a:endParaRPr lang="en-US">
               <a:solidFill>
@@ -12034,7 +11999,7 @@
                 <a:latin typeface="Segoe UI"/>
               </a:rPr>
               <a:pPr/>
-              <a:t>7/14/16</a:t>
+              <a:t>7/25/16</a:t>
             </a:fld>
             <a:endParaRPr lang="en-US">
               <a:solidFill>
@@ -12329,7 +12294,7 @@
             <a:fld id="{0459C166-16D3-4A25-A2F8-C51E0E346B22}" type="datetimeFigureOut">
               <a:rPr lang="en-US" smtClean="0"/>
               <a:pPr/>
-              <a:t>7/14/16</a:t>
+              <a:t>7/25/16</a:t>
             </a:fld>
             <a:endParaRPr lang="en-US"/>
           </a:p>
@@ -12576,7 +12541,7 @@
             <a:fld id="{0459C166-16D3-4A25-A2F8-C51E0E346B22}" type="datetimeFigureOut">
               <a:rPr lang="en-US" smtClean="0"/>
               <a:pPr/>
-              <a:t>7/14/16</a:t>
+              <a:t>7/25/16</a:t>
             </a:fld>
             <a:endParaRPr lang="en-US"/>
           </a:p>
@@ -12942,7 +12907,7 @@
             <a:fld id="{0459C166-16D3-4A25-A2F8-C51E0E346B22}" type="datetimeFigureOut">
               <a:rPr lang="en-US" smtClean="0"/>
               <a:pPr/>
-              <a:t>7/14/16</a:t>
+              <a:t>7/25/16</a:t>
             </a:fld>
             <a:endParaRPr lang="en-US"/>
           </a:p>
@@ -13061,7 +13026,7 @@
             <a:fld id="{0459C166-16D3-4A25-A2F8-C51E0E346B22}" type="datetimeFigureOut">
               <a:rPr lang="en-US" smtClean="0"/>
               <a:pPr/>
-              <a:t>7/14/16</a:t>
+              <a:t>7/25/16</a:t>
             </a:fld>
             <a:endParaRPr lang="en-US"/>
           </a:p>
@@ -13158,7 +13123,7 @@
             <a:fld id="{0459C166-16D3-4A25-A2F8-C51E0E346B22}" type="datetimeFigureOut">
               <a:rPr lang="en-US" smtClean="0"/>
               <a:pPr/>
-              <a:t>7/14/16</a:t>
+              <a:t>7/25/16</a:t>
             </a:fld>
             <a:endParaRPr lang="en-US"/>
           </a:p>
@@ -13435,7 +13400,7 @@
             <a:fld id="{0459C166-16D3-4A25-A2F8-C51E0E346B22}" type="datetimeFigureOut">
               <a:rPr lang="en-US" smtClean="0"/>
               <a:pPr/>
-              <a:t>7/14/16</a:t>
+              <a:t>7/25/16</a:t>
             </a:fld>
             <a:endParaRPr lang="en-US"/>
           </a:p>
@@ -13689,7 +13654,7 @@
             <a:fld id="{0459C166-16D3-4A25-A2F8-C51E0E346B22}" type="datetimeFigureOut">
               <a:rPr lang="en-US" smtClean="0"/>
               <a:pPr/>
-              <a:t>7/14/16</a:t>
+              <a:t>7/25/16</a:t>
             </a:fld>
             <a:endParaRPr lang="en-US"/>
           </a:p>
@@ -13902,7 +13867,7 @@
             <a:fld id="{0459C166-16D3-4A25-A2F8-C51E0E346B22}" type="datetimeFigureOut">
               <a:rPr lang="en-US" smtClean="0"/>
               <a:pPr/>
-              <a:t>7/14/16</a:t>
+              <a:t>7/25/16</a:t>
             </a:fld>
             <a:endParaRPr lang="en-US"/>
           </a:p>
@@ -14449,7 +14414,7 @@
                 <a:latin typeface="Segoe UI"/>
               </a:rPr>
               <a:pPr/>
-              <a:t>7/14/16</a:t>
+              <a:t>7/25/16</a:t>
             </a:fld>
             <a:endParaRPr lang="en-US">
               <a:solidFill>
@@ -18992,15 +18957,7 @@
                   <a:srgbClr val="000000"/>
                 </a:solidFill>
               </a:rPr>
-              <a:t>This </a:t>
-            </a:r>
-            <a:r>
-              <a:rPr lang="en-US" sz="2800" dirty="0" smtClean="0">
-                <a:solidFill>
-                  <a:srgbClr val="000000"/>
-                </a:solidFill>
-              </a:rPr>
-              <a:t>is where cookbooks will be stored</a:t>
+              <a:t>This is where cookbooks will be stored</a:t>
             </a:r>
           </a:p>
           <a:p>
@@ -21638,17 +21595,7 @@
                 <a:latin typeface="Lucida Console"/>
                 <a:cs typeface="Lucida Console"/>
               </a:rPr>
-              <a:t>service </a:t>
-            </a:r>
-            <a:r>
-              <a:rPr lang="en-US" sz="2000" dirty="0" smtClean="0">
-                <a:solidFill>
-                  <a:srgbClr val="000000"/>
-                </a:solidFill>
-                <a:latin typeface="Lucida Console"/>
-                <a:cs typeface="Lucida Console"/>
-              </a:rPr>
-              <a:t>‘</a:t>
+              <a:t>service ‘</a:t>
             </a:r>
             <a:r>
               <a:rPr lang="en-US" sz="2000" dirty="0" err="1" smtClean="0">
@@ -23397,11 +23344,15 @@
           <a:p>
             <a:r>
               <a:rPr lang="en-US" sz="4800" dirty="0" smtClean="0"/>
-              <a:t>Verify Web Server </a:t>
-            </a:r>
-            <a:r>
-              <a:rPr lang="en-US" sz="4800" dirty="0" err="1" smtClean="0"/>
-              <a:t>Funtionality</a:t>
+              <a:t>Verify Web </a:t>
+            </a:r>
+            <a:r>
+              <a:rPr lang="en-US" sz="4800" smtClean="0"/>
+              <a:t>Server </a:t>
+            </a:r>
+            <a:r>
+              <a:rPr lang="en-US" sz="4800" smtClean="0"/>
+              <a:t>Functionality</a:t>
             </a:r>
             <a:endParaRPr lang="en-US" sz="4800" dirty="0"/>
           </a:p>
@@ -35156,7 +35107,7 @@
   <a:extraClrSchemeLst/>
   <a:extLst>
     <a:ext uri="{05A4C25C-085E-4340-85A3-A5531E510DB2}">
-      <thm15:themeFamily xmlns="" xmlns:thm15="http://schemas.microsoft.com/office/thememl/2012/main" name="Office Theme" id="{62F939B6-93AF-4DB8-9C6B-D6C7DFDC589F}" vid="{4A3C46E8-61CC-4603-A589-7422A47A8E4A}"/>
+      <thm15:themeFamily xmlns:thm15="http://schemas.microsoft.com/office/thememl/2012/main" xmlns="" name="Office Theme" id="{62F939B6-93AF-4DB8-9C6B-D6C7DFDC589F}" vid="{4A3C46E8-61CC-4603-A589-7422A47A8E4A}"/>
     </a:ext>
   </a:extLst>
 </a:theme>
@@ -35425,7 +35376,7 @@
   <a:extraClrSchemeLst/>
   <a:extLst>
     <a:ext uri="{05A4C25C-085E-4340-85A3-A5531E510DB2}">
-      <thm15:themeFamily xmlns="" xmlns:thm15="http://schemas.microsoft.com/office/thememl/2012/main" name="Office Theme" id="{62F939B6-93AF-4DB8-9C6B-D6C7DFDC589F}" vid="{4A3C46E8-61CC-4603-A589-7422A47A8E4A}"/>
+      <thm15:themeFamily xmlns:thm15="http://schemas.microsoft.com/office/thememl/2012/main" xmlns="" name="Office Theme" id="{62F939B6-93AF-4DB8-9C6B-D6C7DFDC589F}" vid="{4A3C46E8-61CC-4603-A589-7422A47A8E4A}"/>
     </a:ext>
   </a:extLst>
 </a:theme>
@@ -35720,7 +35671,7 @@
   <a:extraClrSchemeLst/>
   <a:extLst>
     <a:ext uri="{05A4C25C-085E-4340-85A3-A5531E510DB2}">
-      <thm15:themeFamily xmlns="" xmlns:thm15="http://schemas.microsoft.com/office/thememl/2012/main" name="Office Theme" id="{62F939B6-93AF-4DB8-9C6B-D6C7DFDC589F}" vid="{4A3C46E8-61CC-4603-A589-7422A47A8E4A}"/>
+      <thm15:themeFamily xmlns:thm15="http://schemas.microsoft.com/office/thememl/2012/main" xmlns="" name="Office Theme" id="{62F939B6-93AF-4DB8-9C6B-D6C7DFDC589F}" vid="{4A3C46E8-61CC-4603-A589-7422A47A8E4A}"/>
     </a:ext>
   </a:extLst>
 </a:theme>
